--- a/slides/lec3.pptx
+++ b/slides/lec3.pptx
@@ -6,42 +6,43 @@
     <p:sldMasterId id="2147483673" r:id="rId2"/>
   </p:sldMasterIdLst>
   <p:notesMasterIdLst>
-    <p:notesMasterId r:id="rId36"/>
+    <p:notesMasterId r:id="rId37"/>
   </p:notesMasterIdLst>
   <p:sldIdLst>
     <p:sldId id="256" r:id="rId3"/>
-    <p:sldId id="257" r:id="rId4"/>
-    <p:sldId id="283" r:id="rId5"/>
-    <p:sldId id="285" r:id="rId6"/>
-    <p:sldId id="286" r:id="rId7"/>
-    <p:sldId id="287" r:id="rId8"/>
-    <p:sldId id="288" r:id="rId9"/>
-    <p:sldId id="289" r:id="rId10"/>
-    <p:sldId id="290" r:id="rId11"/>
-    <p:sldId id="291" r:id="rId12"/>
-    <p:sldId id="292" r:id="rId13"/>
-    <p:sldId id="284" r:id="rId14"/>
-    <p:sldId id="293" r:id="rId15"/>
-    <p:sldId id="294" r:id="rId16"/>
-    <p:sldId id="295" r:id="rId17"/>
-    <p:sldId id="296" r:id="rId18"/>
-    <p:sldId id="297" r:id="rId19"/>
-    <p:sldId id="298" r:id="rId20"/>
-    <p:sldId id="299" r:id="rId21"/>
-    <p:sldId id="300" r:id="rId22"/>
-    <p:sldId id="301" r:id="rId23"/>
-    <p:sldId id="302" r:id="rId24"/>
-    <p:sldId id="304" r:id="rId25"/>
-    <p:sldId id="303" r:id="rId26"/>
-    <p:sldId id="306" r:id="rId27"/>
-    <p:sldId id="307" r:id="rId28"/>
-    <p:sldId id="305" r:id="rId29"/>
-    <p:sldId id="308" r:id="rId30"/>
-    <p:sldId id="309" r:id="rId31"/>
-    <p:sldId id="312" r:id="rId32"/>
-    <p:sldId id="310" r:id="rId33"/>
-    <p:sldId id="311" r:id="rId34"/>
-    <p:sldId id="313" r:id="rId35"/>
+    <p:sldId id="314" r:id="rId4"/>
+    <p:sldId id="257" r:id="rId5"/>
+    <p:sldId id="283" r:id="rId6"/>
+    <p:sldId id="285" r:id="rId7"/>
+    <p:sldId id="286" r:id="rId8"/>
+    <p:sldId id="287" r:id="rId9"/>
+    <p:sldId id="288" r:id="rId10"/>
+    <p:sldId id="289" r:id="rId11"/>
+    <p:sldId id="290" r:id="rId12"/>
+    <p:sldId id="291" r:id="rId13"/>
+    <p:sldId id="292" r:id="rId14"/>
+    <p:sldId id="284" r:id="rId15"/>
+    <p:sldId id="293" r:id="rId16"/>
+    <p:sldId id="294" r:id="rId17"/>
+    <p:sldId id="295" r:id="rId18"/>
+    <p:sldId id="296" r:id="rId19"/>
+    <p:sldId id="297" r:id="rId20"/>
+    <p:sldId id="298" r:id="rId21"/>
+    <p:sldId id="299" r:id="rId22"/>
+    <p:sldId id="300" r:id="rId23"/>
+    <p:sldId id="301" r:id="rId24"/>
+    <p:sldId id="302" r:id="rId25"/>
+    <p:sldId id="304" r:id="rId26"/>
+    <p:sldId id="303" r:id="rId27"/>
+    <p:sldId id="306" r:id="rId28"/>
+    <p:sldId id="307" r:id="rId29"/>
+    <p:sldId id="305" r:id="rId30"/>
+    <p:sldId id="308" r:id="rId31"/>
+    <p:sldId id="309" r:id="rId32"/>
+    <p:sldId id="312" r:id="rId33"/>
+    <p:sldId id="310" r:id="rId34"/>
+    <p:sldId id="311" r:id="rId35"/>
+    <p:sldId id="313" r:id="rId36"/>
   </p:sldIdLst>
   <p:sldSz cx="12192000" cy="6858000"/>
   <p:notesSz cx="6858000" cy="9144000"/>
@@ -146,6 +147,7 @@
         <p14:section name="默认节" id="{E49610FD-F26B-4221-8F92-15FC07F89772}">
           <p14:sldIdLst>
             <p14:sldId id="256"/>
+            <p14:sldId id="314"/>
             <p14:sldId id="257"/>
             <p14:sldId id="283"/>
           </p14:sldIdLst>
@@ -5560,6 +5562,449 @@
       </p:grpSpPr>
       <p:sp>
         <p:nvSpPr>
+          <p:cNvPr id="9" name="标题 8"/>
+          <p:cNvSpPr>
+            <a:spLocks noGrp="1"/>
+          </p:cNvSpPr>
+          <p:nvPr>
+            <p:ph type="title"/>
+          </p:nvPr>
+        </p:nvSpPr>
+        <p:spPr/>
+        <p:txBody>
+          <a:bodyPr/>
+          <a:lstStyle/>
+          <a:p>
+            <a:endParaRPr lang="zh-CN" altLang="en-US" dirty="0"/>
+          </a:p>
+        </p:txBody>
+      </p:sp>
+      <p:sp>
+        <p:nvSpPr>
+          <p:cNvPr id="10" name="内容占位符 9"/>
+          <p:cNvSpPr>
+            <a:spLocks noGrp="1"/>
+          </p:cNvSpPr>
+          <p:nvPr>
+            <p:ph idx="1"/>
+          </p:nvPr>
+        </p:nvSpPr>
+        <p:spPr>
+          <a:xfrm>
+            <a:off x="519248" y="1905000"/>
+            <a:ext cx="11151916" cy="1551194"/>
+          </a:xfrm>
+        </p:spPr>
+        <p:txBody>
+          <a:bodyPr/>
+          <a:lstStyle/>
+          <a:p>
+            <a:r>
+              <a:rPr lang="en-US" altLang="zh-CN" dirty="0" smtClean="0"/>
+              <a:t>	</a:t>
+            </a:r>
+            <a:r>
+              <a:rPr lang="en-US" altLang="zh-CN" dirty="0" err="1" smtClean="0"/>
+              <a:t>int</a:t>
+            </a:r>
+            <a:r>
+              <a:rPr lang="en-US" altLang="zh-CN" dirty="0" smtClean="0"/>
+              <a:t> main(){</a:t>
+            </a:r>
+          </a:p>
+          <a:p>
+            <a:r>
+              <a:rPr lang="en-US" altLang="zh-CN" dirty="0"/>
+              <a:t>	</a:t>
+            </a:r>
+            <a:r>
+              <a:rPr lang="en-US" altLang="zh-CN" dirty="0" smtClean="0"/>
+              <a:t>	</a:t>
+            </a:r>
+            <a:r>
+              <a:rPr lang="en-US" altLang="zh-CN" dirty="0" err="1" smtClean="0"/>
+              <a:t>printf</a:t>
+            </a:r>
+            <a:r>
+              <a:rPr lang="en-US" altLang="zh-CN" dirty="0" smtClean="0"/>
+              <a:t>(“Hello, world!\n”);</a:t>
+            </a:r>
+          </a:p>
+          <a:p>
+            <a:r>
+              <a:rPr lang="en-US" altLang="zh-CN" dirty="0"/>
+              <a:t>	</a:t>
+            </a:r>
+            <a:r>
+              <a:rPr lang="en-US" altLang="zh-CN" dirty="0" smtClean="0"/>
+              <a:t>	return 0;</a:t>
+            </a:r>
+          </a:p>
+          <a:p>
+            <a:r>
+              <a:rPr lang="en-US" altLang="zh-CN" dirty="0"/>
+              <a:t>	</a:t>
+            </a:r>
+            <a:r>
+              <a:rPr lang="en-US" altLang="zh-CN" dirty="0" smtClean="0"/>
+              <a:t>}</a:t>
+            </a:r>
+          </a:p>
+        </p:txBody>
+      </p:sp>
+      <p:sp>
+        <p:nvSpPr>
+          <p:cNvPr id="4" name="矩形 3"/>
+          <p:cNvSpPr/>
+          <p:nvPr/>
+        </p:nvSpPr>
+        <p:spPr bwMode="auto">
+          <a:xfrm>
+            <a:off x="1541282" y="3784861"/>
+            <a:ext cx="1230198" cy="725865"/>
+          </a:xfrm>
+          <a:prstGeom prst="rect">
+            <a:avLst/>
+          </a:prstGeom>
+          <a:solidFill>
+            <a:srgbClr val="002060"/>
+          </a:solidFill>
+          <a:ln w="9525" cap="flat" cmpd="sng" algn="ctr">
+            <a:solidFill>
+              <a:schemeClr val="tx1"/>
+            </a:solidFill>
+            <a:prstDash val="solid"/>
+            <a:round/>
+            <a:headEnd type="none" w="med" len="med"/>
+            <a:tailEnd type="none" w="med" len="med"/>
+          </a:ln>
+          <a:effectLst/>
+          <a:extLst/>
+        </p:spPr>
+        <p:txBody>
+          <a:bodyPr vert="horz" wrap="square" lIns="91440" tIns="45720" rIns="91440" bIns="45720" numCol="1" rtlCol="0" anchor="t" anchorCtr="0" compatLnSpc="1">
+            <a:prstTxWarp prst="textNoShape">
+              <a:avLst/>
+            </a:prstTxWarp>
+          </a:bodyPr>
+          <a:lstStyle/>
+          <a:p>
+            <a:pPr marL="0" marR="0" indent="0" algn="l" defTabSz="1219200" rtl="0" eaLnBrk="1" fontAlgn="base" latinLnBrk="0" hangingPunct="1">
+              <a:lnSpc>
+                <a:spcPct val="100000"/>
+              </a:lnSpc>
+              <a:spcBef>
+                <a:spcPct val="0"/>
+              </a:spcBef>
+              <a:spcAft>
+                <a:spcPct val="0"/>
+              </a:spcAft>
+              <a:buClrTx/>
+              <a:buSzTx/>
+              <a:buFont typeface="Arial" panose="020B0604020202020204" pitchFamily="34" charset="0"/>
+              <a:buNone/>
+              <a:tabLst/>
+            </a:pPr>
+            <a:r>
+              <a:rPr lang="en-US" altLang="zh-CN" sz="3600" dirty="0" smtClean="0">
+                <a:solidFill>
+                  <a:schemeClr val="bg1"/>
+                </a:solidFill>
+                <a:latin typeface="Arial" panose="020B0604020202020204" pitchFamily="34" charset="0"/>
+                <a:ea typeface="宋体" panose="02010600030101010101" pitchFamily="2" charset="-122"/>
+              </a:rPr>
+              <a:t>main</a:t>
+            </a:r>
+            <a:endParaRPr kumimoji="0" lang="zh-CN" altLang="en-US" sz="3600" b="0" i="0" u="none" strike="noStrike" cap="none" normalizeH="0" baseline="0" dirty="0" smtClean="0">
+              <a:ln>
+                <a:noFill/>
+              </a:ln>
+              <a:solidFill>
+                <a:schemeClr val="bg1"/>
+              </a:solidFill>
+              <a:effectLst/>
+              <a:latin typeface="Arial" panose="020B0604020202020204" pitchFamily="34" charset="0"/>
+              <a:ea typeface="宋体" panose="02010600030101010101" pitchFamily="2" charset="-122"/>
+            </a:endParaRPr>
+          </a:p>
+        </p:txBody>
+      </p:sp>
+      <p:sp>
+        <p:nvSpPr>
+          <p:cNvPr id="5" name="矩形 4"/>
+          <p:cNvSpPr/>
+          <p:nvPr/>
+        </p:nvSpPr>
+        <p:spPr bwMode="auto">
+          <a:xfrm>
+            <a:off x="1541282" y="4916077"/>
+            <a:ext cx="1230198" cy="725865"/>
+          </a:xfrm>
+          <a:prstGeom prst="rect">
+            <a:avLst/>
+          </a:prstGeom>
+          <a:solidFill>
+            <a:srgbClr val="002060"/>
+          </a:solidFill>
+          <a:ln w="9525" cap="flat" cmpd="sng" algn="ctr">
+            <a:solidFill>
+              <a:schemeClr val="tx1"/>
+            </a:solidFill>
+            <a:prstDash val="solid"/>
+            <a:round/>
+            <a:headEnd type="none" w="med" len="med"/>
+            <a:tailEnd type="none" w="med" len="med"/>
+          </a:ln>
+          <a:effectLst/>
+          <a:extLst/>
+        </p:spPr>
+        <p:txBody>
+          <a:bodyPr vert="horz" wrap="square" lIns="91440" tIns="45720" rIns="91440" bIns="45720" numCol="1" rtlCol="0" anchor="t" anchorCtr="0" compatLnSpc="1">
+            <a:prstTxWarp prst="textNoShape">
+              <a:avLst/>
+            </a:prstTxWarp>
+          </a:bodyPr>
+          <a:lstStyle/>
+          <a:p>
+            <a:pPr marL="0" marR="0" indent="0" algn="l" defTabSz="1219200" rtl="0" eaLnBrk="1" fontAlgn="base" latinLnBrk="0" hangingPunct="1">
+              <a:lnSpc>
+                <a:spcPct val="100000"/>
+              </a:lnSpc>
+              <a:spcBef>
+                <a:spcPct val="0"/>
+              </a:spcBef>
+              <a:spcAft>
+                <a:spcPct val="0"/>
+              </a:spcAft>
+              <a:buClrTx/>
+              <a:buSzTx/>
+              <a:buFont typeface="Arial" panose="020B0604020202020204" pitchFamily="34" charset="0"/>
+              <a:buNone/>
+              <a:tabLst/>
+            </a:pPr>
+            <a:r>
+              <a:rPr kumimoji="0" lang="en-US" altLang="zh-CN" sz="3600" b="0" i="0" u="none" strike="noStrike" cap="none" normalizeH="0" baseline="0" dirty="0" err="1" smtClean="0">
+                <a:ln>
+                  <a:noFill/>
+                </a:ln>
+                <a:solidFill>
+                  <a:schemeClr val="bg1"/>
+                </a:solidFill>
+                <a:effectLst/>
+                <a:latin typeface="Arial" panose="020B0604020202020204" pitchFamily="34" charset="0"/>
+                <a:ea typeface="宋体" panose="02010600030101010101" pitchFamily="2" charset="-122"/>
+              </a:rPr>
+              <a:t>printf</a:t>
+            </a:r>
+            <a:endParaRPr kumimoji="0" lang="zh-CN" altLang="en-US" sz="3600" b="0" i="0" u="none" strike="noStrike" cap="none" normalizeH="0" baseline="0" dirty="0" smtClean="0">
+              <a:ln>
+                <a:noFill/>
+              </a:ln>
+              <a:solidFill>
+                <a:schemeClr val="bg1"/>
+              </a:solidFill>
+              <a:effectLst/>
+              <a:latin typeface="Arial" panose="020B0604020202020204" pitchFamily="34" charset="0"/>
+              <a:ea typeface="宋体" panose="02010600030101010101" pitchFamily="2" charset="-122"/>
+            </a:endParaRPr>
+          </a:p>
+        </p:txBody>
+      </p:sp>
+      <p:sp>
+        <p:nvSpPr>
+          <p:cNvPr id="6" name="矩形 5"/>
+          <p:cNvSpPr/>
+          <p:nvPr/>
+        </p:nvSpPr>
+        <p:spPr bwMode="auto">
+          <a:xfrm>
+            <a:off x="1541282" y="4510726"/>
+            <a:ext cx="1230198" cy="405351"/>
+          </a:xfrm>
+          <a:prstGeom prst="rect">
+            <a:avLst/>
+          </a:prstGeom>
+          <a:solidFill>
+            <a:schemeClr val="accent1"/>
+          </a:solidFill>
+          <a:ln w="9525" cap="flat" cmpd="sng" algn="ctr">
+            <a:solidFill>
+              <a:schemeClr val="tx1"/>
+            </a:solidFill>
+            <a:prstDash val="solid"/>
+            <a:round/>
+            <a:headEnd type="none" w="med" len="med"/>
+            <a:tailEnd type="none" w="med" len="med"/>
+          </a:ln>
+          <a:effectLst/>
+          <a:extLst>
+            <a:ext uri="{AF507438-7753-43E0-B8FC-AC1667EBCBE1}">
+              <a14:hiddenEffects xmlns:a14="http://schemas.microsoft.com/office/drawing/2010/main">
+                <a:effectLst>
+                  <a:outerShdw dist="35921" dir="2700000" algn="ctr" rotWithShape="0">
+                    <a:schemeClr val="bg2"/>
+                  </a:outerShdw>
+                </a:effectLst>
+              </a14:hiddenEffects>
+            </a:ext>
+          </a:extLst>
+        </p:spPr>
+        <p:txBody>
+          <a:bodyPr vert="horz" wrap="square" lIns="91440" tIns="45720" rIns="91440" bIns="45720" numCol="1" rtlCol="0" anchor="t" anchorCtr="0" compatLnSpc="1">
+            <a:prstTxWarp prst="textNoShape">
+              <a:avLst/>
+            </a:prstTxWarp>
+          </a:bodyPr>
+          <a:lstStyle/>
+          <a:p>
+            <a:pPr marL="0" marR="0" indent="0" algn="l" defTabSz="1219200" rtl="0" eaLnBrk="1" fontAlgn="base" latinLnBrk="0" hangingPunct="1">
+              <a:lnSpc>
+                <a:spcPct val="100000"/>
+              </a:lnSpc>
+              <a:spcBef>
+                <a:spcPct val="0"/>
+              </a:spcBef>
+              <a:spcAft>
+                <a:spcPct val="0"/>
+              </a:spcAft>
+              <a:buClrTx/>
+              <a:buSzTx/>
+              <a:buFont typeface="Arial" panose="020B0604020202020204" pitchFamily="34" charset="0"/>
+              <a:buNone/>
+              <a:tabLst/>
+            </a:pPr>
+            <a:endParaRPr kumimoji="0" lang="zh-CN" altLang="en-US" sz="2400" b="0" i="0" u="none" strike="noStrike" cap="none" normalizeH="0" baseline="0" smtClean="0">
+              <a:ln>
+                <a:noFill/>
+              </a:ln>
+              <a:solidFill>
+                <a:schemeClr val="tx1"/>
+              </a:solidFill>
+              <a:effectLst/>
+              <a:latin typeface="Arial" panose="020B0604020202020204" pitchFamily="34" charset="0"/>
+              <a:ea typeface="宋体" panose="02010600030101010101" pitchFamily="2" charset="-122"/>
+            </a:endParaRPr>
+          </a:p>
+        </p:txBody>
+      </p:sp>
+      <p:cxnSp>
+        <p:nvCxnSpPr>
+          <p:cNvPr id="7" name="直接箭头连接符 6"/>
+          <p:cNvCxnSpPr>
+            <a:endCxn id="6" idx="3"/>
+          </p:cNvCxnSpPr>
+          <p:nvPr/>
+        </p:nvCxnSpPr>
+        <p:spPr bwMode="auto">
+          <a:xfrm flipH="1">
+            <a:off x="2771480" y="4713401"/>
+            <a:ext cx="1168924" cy="1"/>
+          </a:xfrm>
+          <a:prstGeom prst="straightConnector1">
+            <a:avLst/>
+          </a:prstGeom>
+          <a:ln>
+            <a:headEnd type="none" w="med" len="med"/>
+            <a:tailEnd type="triangle"/>
+          </a:ln>
+          <a:extLst/>
+        </p:spPr>
+        <p:style>
+          <a:lnRef idx="3">
+            <a:schemeClr val="accent3"/>
+          </a:lnRef>
+          <a:fillRef idx="0">
+            <a:schemeClr val="accent3"/>
+          </a:fillRef>
+          <a:effectRef idx="2">
+            <a:schemeClr val="accent3"/>
+          </a:effectRef>
+          <a:fontRef idx="minor">
+            <a:schemeClr val="tx1"/>
+          </a:fontRef>
+        </p:style>
+      </p:cxnSp>
+      <p:sp>
+        <p:nvSpPr>
+          <p:cNvPr id="8" name="文本框 7"/>
+          <p:cNvSpPr txBox="1"/>
+          <p:nvPr/>
+        </p:nvSpPr>
+        <p:spPr>
+          <a:xfrm>
+            <a:off x="4147792" y="4510726"/>
+            <a:ext cx="3337089" cy="523220"/>
+          </a:xfrm>
+          <a:prstGeom prst="rect">
+            <a:avLst/>
+          </a:prstGeom>
+          <a:noFill/>
+        </p:spPr>
+        <p:txBody>
+          <a:bodyPr wrap="square" rtlCol="0">
+            <a:spAutoFit/>
+          </a:bodyPr>
+          <a:lstStyle/>
+          <a:p>
+            <a:r>
+              <a:rPr lang="en-US" altLang="zh-CN" sz="2800" dirty="0" smtClean="0">
+                <a:solidFill>
+                  <a:schemeClr val="bg1"/>
+                </a:solidFill>
+              </a:rPr>
+              <a:t>main</a:t>
+            </a:r>
+            <a:r>
+              <a:rPr lang="zh-CN" altLang="en-US" sz="2800" dirty="0" smtClean="0">
+                <a:solidFill>
+                  <a:schemeClr val="bg1"/>
+                </a:solidFill>
+              </a:rPr>
+              <a:t>中执行地址</a:t>
+            </a:r>
+            <a:endParaRPr lang="zh-CN" altLang="en-US" sz="2800" dirty="0">
+              <a:solidFill>
+                <a:schemeClr val="bg1"/>
+              </a:solidFill>
+            </a:endParaRPr>
+          </a:p>
+        </p:txBody>
+      </p:sp>
+    </p:spTree>
+    <p:extLst>
+      <p:ext uri="{BB962C8B-B14F-4D97-AF65-F5344CB8AC3E}">
+        <p14:creationId xmlns:p14="http://schemas.microsoft.com/office/powerpoint/2010/main" val="1784134951"/>
+      </p:ext>
+    </p:extLst>
+  </p:cSld>
+  <p:clrMapOvr>
+    <a:masterClrMapping/>
+  </p:clrMapOvr>
+  <p:transition>
+    <p:fade/>
+  </p:transition>
+</p:sld>
+</file>
+
+<file path=ppt/slides/slide11.xml><?xml version="1.0" encoding="utf-8"?>
+<p:sld xmlns:a="http://schemas.openxmlformats.org/drawingml/2006/main" xmlns:r="http://schemas.openxmlformats.org/officeDocument/2006/relationships" xmlns:p="http://schemas.openxmlformats.org/presentationml/2006/main">
+  <p:cSld>
+    <p:spTree>
+      <p:nvGrpSpPr>
+        <p:cNvPr id="1" name=""/>
+        <p:cNvGrpSpPr/>
+        <p:nvPr/>
+      </p:nvGrpSpPr>
+      <p:grpSpPr>
+        <a:xfrm>
+          <a:off x="0" y="0"/>
+          <a:ext cx="0" cy="0"/>
+          <a:chOff x="0" y="0"/>
+          <a:chExt cx="0" cy="0"/>
+        </a:xfrm>
+      </p:grpSpPr>
+      <p:sp>
+        <p:nvSpPr>
           <p:cNvPr id="4" name="标题 3"/>
           <p:cNvSpPr>
             <a:spLocks noGrp="1"/>
@@ -6116,7 +6561,7 @@
 </p:sld>
 </file>
 
-<file path=ppt/slides/slide11.xml><?xml version="1.0" encoding="utf-8"?>
+<file path=ppt/slides/slide12.xml><?xml version="1.0" encoding="utf-8"?>
 <p:sld xmlns:a="http://schemas.openxmlformats.org/drawingml/2006/main" xmlns:r="http://schemas.openxmlformats.org/officeDocument/2006/relationships" xmlns:p="http://schemas.openxmlformats.org/presentationml/2006/main">
   <p:cSld>
     <p:spTree>
@@ -6215,7 +6660,7 @@
 </p:sld>
 </file>
 
-<file path=ppt/slides/slide12.xml><?xml version="1.0" encoding="utf-8"?>
+<file path=ppt/slides/slide13.xml><?xml version="1.0" encoding="utf-8"?>
 <p:sld xmlns:a="http://schemas.openxmlformats.org/drawingml/2006/main" xmlns:r="http://schemas.openxmlformats.org/officeDocument/2006/relationships" xmlns:p="http://schemas.openxmlformats.org/presentationml/2006/main">
   <p:cSld>
     <p:spTree>
@@ -6353,182 +6798,6 @@
 </p:sld>
 </file>
 
-<file path=ppt/slides/slide13.xml><?xml version="1.0" encoding="utf-8"?>
-<p:sld xmlns:a="http://schemas.openxmlformats.org/drawingml/2006/main" xmlns:r="http://schemas.openxmlformats.org/officeDocument/2006/relationships" xmlns:p="http://schemas.openxmlformats.org/presentationml/2006/main">
-  <p:cSld>
-    <p:spTree>
-      <p:nvGrpSpPr>
-        <p:cNvPr id="1" name=""/>
-        <p:cNvGrpSpPr/>
-        <p:nvPr/>
-      </p:nvGrpSpPr>
-      <p:grpSpPr>
-        <a:xfrm>
-          <a:off x="0" y="0"/>
-          <a:ext cx="0" cy="0"/>
-          <a:chOff x="0" y="0"/>
-          <a:chExt cx="0" cy="0"/>
-        </a:xfrm>
-      </p:grpSpPr>
-      <p:sp>
-        <p:nvSpPr>
-          <p:cNvPr id="4" name="标题 3"/>
-          <p:cNvSpPr>
-            <a:spLocks noGrp="1"/>
-          </p:cNvSpPr>
-          <p:nvPr>
-            <p:ph type="title"/>
-          </p:nvPr>
-        </p:nvSpPr>
-        <p:spPr/>
-        <p:txBody>
-          <a:bodyPr/>
-          <a:lstStyle/>
-          <a:p>
-            <a:r>
-              <a:rPr lang="zh-CN" altLang="en-US" dirty="0" smtClean="0"/>
-              <a:t>伪代码</a:t>
-            </a:r>
-            <a:endParaRPr lang="zh-CN" altLang="en-US" dirty="0"/>
-          </a:p>
-        </p:txBody>
-      </p:sp>
-      <p:sp>
-        <p:nvSpPr>
-          <p:cNvPr id="5" name="内容占位符 4"/>
-          <p:cNvSpPr>
-            <a:spLocks noGrp="1"/>
-          </p:cNvSpPr>
-          <p:nvPr>
-            <p:ph idx="1"/>
-          </p:nvPr>
-        </p:nvSpPr>
-        <p:spPr>
-          <a:xfrm>
-            <a:off x="519248" y="1905000"/>
-            <a:ext cx="11151916" cy="4395049"/>
-          </a:xfrm>
-        </p:spPr>
-        <p:txBody>
-          <a:bodyPr/>
-          <a:lstStyle/>
-          <a:p>
-            <a:r>
-              <a:rPr lang="en-US" altLang="zh-CN" dirty="0" smtClean="0"/>
-              <a:t>move(source, target, middle, number){</a:t>
-            </a:r>
-          </a:p>
-          <a:p>
-            <a:r>
-              <a:rPr lang="en-US" altLang="zh-CN" dirty="0" smtClean="0"/>
-              <a:t>	if(number == 1){</a:t>
-            </a:r>
-          </a:p>
-          <a:p>
-            <a:r>
-              <a:rPr lang="en-US" altLang="zh-CN" dirty="0"/>
-              <a:t>	</a:t>
-            </a:r>
-            <a:r>
-              <a:rPr lang="en-US" altLang="zh-CN" dirty="0" smtClean="0"/>
-              <a:t>	just move it</a:t>
-            </a:r>
-          </a:p>
-          <a:p>
-            <a:r>
-              <a:rPr lang="en-US" altLang="zh-CN" dirty="0"/>
-              <a:t>	</a:t>
-            </a:r>
-            <a:r>
-              <a:rPr lang="en-US" altLang="zh-CN" dirty="0" smtClean="0"/>
-              <a:t>}</a:t>
-            </a:r>
-          </a:p>
-          <a:p>
-            <a:r>
-              <a:rPr lang="en-US" altLang="zh-CN" dirty="0"/>
-              <a:t>	</a:t>
-            </a:r>
-            <a:r>
-              <a:rPr lang="en-US" altLang="zh-CN" dirty="0" smtClean="0"/>
-              <a:t>else{</a:t>
-            </a:r>
-          </a:p>
-          <a:p>
-            <a:r>
-              <a:rPr lang="en-US" altLang="zh-CN" dirty="0"/>
-              <a:t>	</a:t>
-            </a:r>
-            <a:r>
-              <a:rPr lang="en-US" altLang="zh-CN" dirty="0" smtClean="0"/>
-              <a:t>	move(source, middle, target, number - 1);</a:t>
-            </a:r>
-          </a:p>
-          <a:p>
-            <a:r>
-              <a:rPr lang="en-US" altLang="zh-CN" dirty="0"/>
-              <a:t>	</a:t>
-            </a:r>
-            <a:r>
-              <a:rPr lang="en-US" altLang="zh-CN" dirty="0" smtClean="0"/>
-              <a:t>	move(source, target, middle, 1);</a:t>
-            </a:r>
-          </a:p>
-          <a:p>
-            <a:r>
-              <a:rPr lang="en-US" altLang="zh-CN" dirty="0"/>
-              <a:t>	</a:t>
-            </a:r>
-            <a:r>
-              <a:rPr lang="en-US" altLang="zh-CN" dirty="0" smtClean="0"/>
-              <a:t>	move(middle, target, source, number - 1);</a:t>
-            </a:r>
-          </a:p>
-          <a:p>
-            <a:r>
-              <a:rPr lang="en-US" altLang="zh-CN" dirty="0" smtClean="0"/>
-              <a:t>	}</a:t>
-            </a:r>
-          </a:p>
-          <a:p>
-            <a:r>
-              <a:rPr lang="en-US" altLang="zh-CN" dirty="0" smtClean="0"/>
-              <a:t>}</a:t>
-            </a:r>
-          </a:p>
-          <a:p>
-            <a:r>
-              <a:rPr lang="zh-CN" altLang="en-US" dirty="0"/>
-              <a:t>原</a:t>
-            </a:r>
-            <a:r>
-              <a:rPr lang="zh-CN" altLang="en-US" dirty="0" smtClean="0"/>
-              <a:t>问题： </a:t>
-            </a:r>
-            <a:r>
-              <a:rPr lang="en-US" altLang="zh-CN" dirty="0" smtClean="0"/>
-              <a:t>move(A, C, B, 64)</a:t>
-            </a:r>
-            <a:endParaRPr lang="zh-CN" altLang="en-US" dirty="0"/>
-          </a:p>
-        </p:txBody>
-      </p:sp>
-    </p:spTree>
-    <p:extLst>
-      <p:ext uri="{BB962C8B-B14F-4D97-AF65-F5344CB8AC3E}">
-        <p14:creationId xmlns:p14="http://schemas.microsoft.com/office/powerpoint/2010/main" val="1032138900"/>
-      </p:ext>
-    </p:extLst>
-  </p:cSld>
-  <p:clrMapOvr>
-    <a:masterClrMapping/>
-  </p:clrMapOvr>
-  <p:transition>
-    <p:fade/>
-  </p:transition>
-</p:sld>
-</file>
-
 <file path=ppt/slides/slide14.xml><?xml version="1.0" encoding="utf-8"?>
 <p:sld xmlns:a="http://schemas.openxmlformats.org/drawingml/2006/main" xmlns:r="http://schemas.openxmlformats.org/officeDocument/2006/relationships" xmlns:p="http://schemas.openxmlformats.org/presentationml/2006/main">
   <p:cSld>
@@ -6548,7 +6817,7 @@
       </p:grpSpPr>
       <p:sp>
         <p:nvSpPr>
-          <p:cNvPr id="2" name="标题 1"/>
+          <p:cNvPr id="4" name="标题 3"/>
           <p:cNvSpPr>
             <a:spLocks noGrp="1"/>
           </p:cNvSpPr>
@@ -6563,7 +6832,7 @@
           <a:p>
             <a:r>
               <a:rPr lang="zh-CN" altLang="en-US" dirty="0" smtClean="0"/>
-              <a:t>其他用递归解决的问题</a:t>
+              <a:t>伪代码</a:t>
             </a:r>
             <a:endParaRPr lang="zh-CN" altLang="en-US" dirty="0"/>
           </a:p>
@@ -6571,7 +6840,7 @@
       </p:sp>
       <p:sp>
         <p:nvSpPr>
-          <p:cNvPr id="3" name="内容占位符 2"/>
+          <p:cNvPr id="5" name="内容占位符 4"/>
           <p:cNvSpPr>
             <a:spLocks noGrp="1"/>
           </p:cNvSpPr>
@@ -6582,7 +6851,7 @@
         <p:spPr>
           <a:xfrm>
             <a:off x="519248" y="1905000"/>
-            <a:ext cx="11151916" cy="3582519"/>
+            <a:ext cx="11151916" cy="4395049"/>
           </a:xfrm>
         </p:spPr>
         <p:txBody>
@@ -6591,50 +6860,13 @@
           <a:p>
             <a:r>
               <a:rPr lang="en-US" altLang="zh-CN" dirty="0" smtClean="0"/>
-              <a:t>	//</a:t>
-            </a:r>
-            <a:r>
-              <a:rPr lang="zh-CN" altLang="en-US" dirty="0" smtClean="0"/>
-              <a:t>辗转相除</a:t>
-            </a:r>
-            <a:endParaRPr lang="en-US" altLang="zh-CN" dirty="0" smtClean="0"/>
+              <a:t>move(source, target, middle, number){</a:t>
+            </a:r>
           </a:p>
           <a:p>
             <a:r>
               <a:rPr lang="en-US" altLang="zh-CN" dirty="0" smtClean="0"/>
-              <a:t>	</a:t>
-            </a:r>
-            <a:r>
-              <a:rPr lang="en-US" altLang="zh-CN" dirty="0" err="1" smtClean="0"/>
-              <a:t>int</a:t>
-            </a:r>
-            <a:r>
-              <a:rPr lang="en-US" altLang="zh-CN" dirty="0" smtClean="0"/>
-              <a:t> </a:t>
-            </a:r>
-            <a:r>
-              <a:rPr lang="en-US" altLang="zh-CN" dirty="0" err="1" smtClean="0"/>
-              <a:t>gcd</a:t>
-            </a:r>
-            <a:r>
-              <a:rPr lang="en-US" altLang="zh-CN" dirty="0" smtClean="0"/>
-              <a:t>(</a:t>
-            </a:r>
-            <a:r>
-              <a:rPr lang="en-US" altLang="zh-CN" dirty="0" err="1" smtClean="0"/>
-              <a:t>int</a:t>
-            </a:r>
-            <a:r>
-              <a:rPr lang="en-US" altLang="zh-CN" dirty="0" smtClean="0"/>
-              <a:t> x, </a:t>
-            </a:r>
-            <a:r>
-              <a:rPr lang="en-US" altLang="zh-CN" dirty="0" err="1" smtClean="0"/>
-              <a:t>int</a:t>
-            </a:r>
-            <a:r>
-              <a:rPr lang="en-US" altLang="zh-CN" dirty="0" smtClean="0"/>
-              <a:t> y){</a:t>
+              <a:t>	if(number == 1){</a:t>
             </a:r>
           </a:p>
           <a:p>
@@ -6644,7 +6876,7 @@
             </a:r>
             <a:r>
               <a:rPr lang="en-US" altLang="zh-CN" dirty="0" smtClean="0"/>
-              <a:t>	if(y == 0)</a:t>
+              <a:t>	just move it</a:t>
             </a:r>
           </a:p>
           <a:p>
@@ -6654,7 +6886,7 @@
             </a:r>
             <a:r>
               <a:rPr lang="en-US" altLang="zh-CN" dirty="0" smtClean="0"/>
-              <a:t>		return x;</a:t>
+              <a:t>}</a:t>
             </a:r>
           </a:p>
           <a:p>
@@ -6664,7 +6896,7 @@
             </a:r>
             <a:r>
               <a:rPr lang="en-US" altLang="zh-CN" dirty="0" smtClean="0"/>
-              <a:t>	else</a:t>
+              <a:t>else{</a:t>
             </a:r>
           </a:p>
           <a:p>
@@ -6674,23 +6906,7 @@
             </a:r>
             <a:r>
               <a:rPr lang="en-US" altLang="zh-CN" dirty="0" smtClean="0"/>
-              <a:t>		return </a:t>
-            </a:r>
-            <a:r>
-              <a:rPr lang="en-US" altLang="zh-CN" dirty="0" err="1" smtClean="0"/>
-              <a:t>gcd</a:t>
-            </a:r>
-            <a:r>
-              <a:rPr lang="en-US" altLang="zh-CN" dirty="0" smtClean="0"/>
-              <a:t>(y, </a:t>
-            </a:r>
-            <a:r>
-              <a:rPr lang="en-US" altLang="zh-CN" dirty="0" err="1" smtClean="0"/>
-              <a:t>x%y</a:t>
-            </a:r>
-            <a:r>
-              <a:rPr lang="en-US" altLang="zh-CN" dirty="0" smtClean="0"/>
-              <a:t>);</a:t>
+              <a:t>	move(source, middle, target, number - 1);</a:t>
             </a:r>
           </a:p>
           <a:p>
@@ -6700,7 +6916,7 @@
             </a:r>
             <a:r>
               <a:rPr lang="en-US" altLang="zh-CN" dirty="0" smtClean="0"/>
-              <a:t>}</a:t>
+              <a:t>	move(source, target, middle, 1);</a:t>
             </a:r>
           </a:p>
           <a:p>
@@ -6708,40 +6924,35 @@
               <a:rPr lang="en-US" altLang="zh-CN" dirty="0"/>
               <a:t>	</a:t>
             </a:r>
-            <a:endParaRPr lang="en-US" altLang="zh-CN" dirty="0" smtClean="0"/>
-          </a:p>
-          <a:p>
-            <a:r>
-              <a:rPr lang="en-US" altLang="zh-CN" dirty="0"/>
-              <a:t>	</a:t>
-            </a:r>
             <a:r>
               <a:rPr lang="en-US" altLang="zh-CN" dirty="0" smtClean="0"/>
-              <a:t>// LCM(</a:t>
-            </a:r>
-            <a:r>
-              <a:rPr lang="en-US" altLang="zh-CN" dirty="0" err="1" smtClean="0"/>
-              <a:t>x,y</a:t>
-            </a:r>
+              <a:t>	move(middle, target, source, number - 1);</a:t>
+            </a:r>
+          </a:p>
+          <a:p>
             <a:r>
               <a:rPr lang="en-US" altLang="zh-CN" dirty="0" smtClean="0"/>
-              <a:t>) = x*y/</a:t>
-            </a:r>
-            <a:r>
-              <a:rPr lang="en-US" altLang="zh-CN" dirty="0" err="1" smtClean="0"/>
-              <a:t>gcd</a:t>
-            </a:r>
+              <a:t>	}</a:t>
+            </a:r>
+          </a:p>
+          <a:p>
             <a:r>
               <a:rPr lang="en-US" altLang="zh-CN" dirty="0" smtClean="0"/>
-              <a:t>(</a:t>
-            </a:r>
-            <a:r>
-              <a:rPr lang="en-US" altLang="zh-CN" dirty="0" err="1" smtClean="0"/>
-              <a:t>x,y</a:t>
+              <a:t>}</a:t>
+            </a:r>
+          </a:p>
+          <a:p>
+            <a:r>
+              <a:rPr lang="zh-CN" altLang="en-US" dirty="0"/>
+              <a:t>原</a:t>
+            </a:r>
+            <a:r>
+              <a:rPr lang="zh-CN" altLang="en-US" dirty="0" smtClean="0"/>
+              <a:t>问题： </a:t>
             </a:r>
             <a:r>
               <a:rPr lang="en-US" altLang="zh-CN" dirty="0" smtClean="0"/>
-              <a:t>)</a:t>
+              <a:t>move(A, C, B, 64)</a:t>
             </a:r>
             <a:endParaRPr lang="zh-CN" altLang="en-US" dirty="0"/>
           </a:p>
@@ -6750,7 +6961,7 @@
     </p:spTree>
     <p:extLst>
       <p:ext uri="{BB962C8B-B14F-4D97-AF65-F5344CB8AC3E}">
-        <p14:creationId xmlns:p14="http://schemas.microsoft.com/office/powerpoint/2010/main" val="2546721373"/>
+        <p14:creationId xmlns:p14="http://schemas.microsoft.com/office/powerpoint/2010/main" val="1032138900"/>
       </p:ext>
     </p:extLst>
   </p:cSld>
@@ -6782,7 +6993,7 @@
       </p:grpSpPr>
       <p:sp>
         <p:nvSpPr>
-          <p:cNvPr id="4" name="标题 3"/>
+          <p:cNvPr id="2" name="标题 1"/>
           <p:cNvSpPr>
             <a:spLocks noGrp="1"/>
           </p:cNvSpPr>
@@ -6797,7 +7008,7 @@
           <a:p>
             <a:r>
               <a:rPr lang="zh-CN" altLang="en-US" dirty="0" smtClean="0"/>
-              <a:t>复杂度</a:t>
+              <a:t>其他用递归解决的问题</a:t>
             </a:r>
             <a:endParaRPr lang="zh-CN" altLang="en-US" dirty="0"/>
           </a:p>
@@ -6805,22 +7016,177 @@
       </p:sp>
       <p:sp>
         <p:nvSpPr>
-          <p:cNvPr id="5" name="文本占位符 4"/>
+          <p:cNvPr id="3" name="内容占位符 2"/>
           <p:cNvSpPr>
             <a:spLocks noGrp="1"/>
           </p:cNvSpPr>
           <p:nvPr>
-            <p:ph type="body" idx="1"/>
+            <p:ph idx="1"/>
           </p:nvPr>
         </p:nvSpPr>
-        <p:spPr/>
+        <p:spPr>
+          <a:xfrm>
+            <a:off x="519248" y="1905000"/>
+            <a:ext cx="11151916" cy="3582519"/>
+          </a:xfrm>
+        </p:spPr>
         <p:txBody>
           <a:bodyPr/>
           <a:lstStyle/>
           <a:p>
             <a:r>
               <a:rPr lang="en-US" altLang="zh-CN" dirty="0" smtClean="0"/>
-              <a:t>Complexity</a:t>
+              <a:t>	//</a:t>
+            </a:r>
+            <a:r>
+              <a:rPr lang="zh-CN" altLang="en-US" dirty="0" smtClean="0"/>
+              <a:t>辗转相除</a:t>
+            </a:r>
+            <a:endParaRPr lang="en-US" altLang="zh-CN" dirty="0" smtClean="0"/>
+          </a:p>
+          <a:p>
+            <a:r>
+              <a:rPr lang="en-US" altLang="zh-CN" dirty="0" smtClean="0"/>
+              <a:t>	</a:t>
+            </a:r>
+            <a:r>
+              <a:rPr lang="en-US" altLang="zh-CN" dirty="0" err="1" smtClean="0"/>
+              <a:t>int</a:t>
+            </a:r>
+            <a:r>
+              <a:rPr lang="en-US" altLang="zh-CN" dirty="0" smtClean="0"/>
+              <a:t> </a:t>
+            </a:r>
+            <a:r>
+              <a:rPr lang="en-US" altLang="zh-CN" dirty="0" err="1" smtClean="0"/>
+              <a:t>gcd</a:t>
+            </a:r>
+            <a:r>
+              <a:rPr lang="en-US" altLang="zh-CN" dirty="0" smtClean="0"/>
+              <a:t>(</a:t>
+            </a:r>
+            <a:r>
+              <a:rPr lang="en-US" altLang="zh-CN" dirty="0" err="1" smtClean="0"/>
+              <a:t>int</a:t>
+            </a:r>
+            <a:r>
+              <a:rPr lang="en-US" altLang="zh-CN" dirty="0" smtClean="0"/>
+              <a:t> x, </a:t>
+            </a:r>
+            <a:r>
+              <a:rPr lang="en-US" altLang="zh-CN" dirty="0" err="1" smtClean="0"/>
+              <a:t>int</a:t>
+            </a:r>
+            <a:r>
+              <a:rPr lang="en-US" altLang="zh-CN" dirty="0" smtClean="0"/>
+              <a:t> y){</a:t>
+            </a:r>
+          </a:p>
+          <a:p>
+            <a:r>
+              <a:rPr lang="en-US" altLang="zh-CN" dirty="0"/>
+              <a:t>	</a:t>
+            </a:r>
+            <a:r>
+              <a:rPr lang="en-US" altLang="zh-CN" dirty="0" smtClean="0"/>
+              <a:t>	if(y == 0)</a:t>
+            </a:r>
+          </a:p>
+          <a:p>
+            <a:r>
+              <a:rPr lang="en-US" altLang="zh-CN" dirty="0"/>
+              <a:t>	</a:t>
+            </a:r>
+            <a:r>
+              <a:rPr lang="en-US" altLang="zh-CN" dirty="0" smtClean="0"/>
+              <a:t>		return x;</a:t>
+            </a:r>
+          </a:p>
+          <a:p>
+            <a:r>
+              <a:rPr lang="en-US" altLang="zh-CN" dirty="0"/>
+              <a:t>	</a:t>
+            </a:r>
+            <a:r>
+              <a:rPr lang="en-US" altLang="zh-CN" dirty="0" smtClean="0"/>
+              <a:t>	else</a:t>
+            </a:r>
+          </a:p>
+          <a:p>
+            <a:r>
+              <a:rPr lang="en-US" altLang="zh-CN" dirty="0"/>
+              <a:t>	</a:t>
+            </a:r>
+            <a:r>
+              <a:rPr lang="en-US" altLang="zh-CN" dirty="0" smtClean="0"/>
+              <a:t>		return </a:t>
+            </a:r>
+            <a:r>
+              <a:rPr lang="en-US" altLang="zh-CN" dirty="0" err="1" smtClean="0"/>
+              <a:t>gcd</a:t>
+            </a:r>
+            <a:r>
+              <a:rPr lang="en-US" altLang="zh-CN" dirty="0" smtClean="0"/>
+              <a:t>(y, </a:t>
+            </a:r>
+            <a:r>
+              <a:rPr lang="en-US" altLang="zh-CN" dirty="0" err="1" smtClean="0"/>
+              <a:t>x%y</a:t>
+            </a:r>
+            <a:r>
+              <a:rPr lang="en-US" altLang="zh-CN" dirty="0" smtClean="0"/>
+              <a:t>);</a:t>
+            </a:r>
+          </a:p>
+          <a:p>
+            <a:r>
+              <a:rPr lang="en-US" altLang="zh-CN" dirty="0"/>
+              <a:t>	</a:t>
+            </a:r>
+            <a:r>
+              <a:rPr lang="en-US" altLang="zh-CN" dirty="0" smtClean="0"/>
+              <a:t>}</a:t>
+            </a:r>
+          </a:p>
+          <a:p>
+            <a:r>
+              <a:rPr lang="en-US" altLang="zh-CN" dirty="0"/>
+              <a:t>	</a:t>
+            </a:r>
+            <a:endParaRPr lang="en-US" altLang="zh-CN" dirty="0" smtClean="0"/>
+          </a:p>
+          <a:p>
+            <a:r>
+              <a:rPr lang="en-US" altLang="zh-CN" dirty="0"/>
+              <a:t>	</a:t>
+            </a:r>
+            <a:r>
+              <a:rPr lang="en-US" altLang="zh-CN" dirty="0" smtClean="0"/>
+              <a:t>// LCM(</a:t>
+            </a:r>
+            <a:r>
+              <a:rPr lang="en-US" altLang="zh-CN" dirty="0" err="1" smtClean="0"/>
+              <a:t>x,y</a:t>
+            </a:r>
+            <a:r>
+              <a:rPr lang="en-US" altLang="zh-CN" dirty="0" smtClean="0"/>
+              <a:t>) = x*y/</a:t>
+            </a:r>
+            <a:r>
+              <a:rPr lang="en-US" altLang="zh-CN" dirty="0" err="1" smtClean="0"/>
+              <a:t>gcd</a:t>
+            </a:r>
+            <a:r>
+              <a:rPr lang="en-US" altLang="zh-CN" dirty="0" smtClean="0"/>
+              <a:t>(</a:t>
+            </a:r>
+            <a:r>
+              <a:rPr lang="en-US" altLang="zh-CN" dirty="0" err="1" smtClean="0"/>
+              <a:t>x,y</a:t>
+            </a:r>
+            <a:r>
+              <a:rPr lang="en-US" altLang="zh-CN" dirty="0" smtClean="0"/>
+              <a:t>)</a:t>
             </a:r>
             <a:endParaRPr lang="zh-CN" altLang="en-US" dirty="0"/>
           </a:p>
@@ -6829,7 +7195,7 @@
     </p:spTree>
     <p:extLst>
       <p:ext uri="{BB962C8B-B14F-4D97-AF65-F5344CB8AC3E}">
-        <p14:creationId xmlns:p14="http://schemas.microsoft.com/office/powerpoint/2010/main" val="3797095968"/>
+        <p14:creationId xmlns:p14="http://schemas.microsoft.com/office/powerpoint/2010/main" val="2546721373"/>
       </p:ext>
     </p:extLst>
   </p:cSld>
@@ -6875,12 +7241,8 @@
           <a:lstStyle/>
           <a:p>
             <a:r>
-              <a:rPr lang="zh-CN" altLang="en-US" dirty="0"/>
-              <a:t>复杂</a:t>
-            </a:r>
-            <a:r>
               <a:rPr lang="zh-CN" altLang="en-US" dirty="0" smtClean="0"/>
-              <a:t>度</a:t>
+              <a:t>复杂度</a:t>
             </a:r>
             <a:endParaRPr lang="zh-CN" altLang="en-US" dirty="0"/>
           </a:p>
@@ -6888,38 +7250,22 @@
       </p:sp>
       <p:sp>
         <p:nvSpPr>
-          <p:cNvPr id="5" name="内容占位符 4"/>
+          <p:cNvPr id="5" name="文本占位符 4"/>
           <p:cNvSpPr>
             <a:spLocks noGrp="1"/>
           </p:cNvSpPr>
           <p:nvPr>
-            <p:ph idx="1"/>
+            <p:ph type="body" idx="1"/>
           </p:nvPr>
         </p:nvSpPr>
-        <p:spPr>
-          <a:xfrm>
-            <a:off x="519248" y="1714500"/>
-            <a:ext cx="11151916" cy="1354217"/>
-          </a:xfrm>
-        </p:spPr>
+        <p:spPr/>
         <p:txBody>
           <a:bodyPr/>
           <a:lstStyle/>
           <a:p>
             <a:r>
-              <a:rPr lang="zh-CN" altLang="en-US" dirty="0" smtClean="0"/>
-              <a:t>程序执行需要多少时间？</a:t>
-            </a:r>
-            <a:endParaRPr lang="en-US" altLang="zh-CN" dirty="0" smtClean="0"/>
-          </a:p>
-          <a:p>
-            <a:r>
-              <a:rPr lang="zh-CN" altLang="en-US" dirty="0"/>
-              <a:t>需要多少</a:t>
-            </a:r>
-            <a:r>
-              <a:rPr lang="zh-CN" altLang="en-US" dirty="0" smtClean="0"/>
-              <a:t>空间（内存）？</a:t>
+              <a:rPr lang="en-US" altLang="zh-CN" dirty="0" smtClean="0"/>
+              <a:t>Complexity</a:t>
             </a:r>
             <a:endParaRPr lang="zh-CN" altLang="en-US" dirty="0"/>
           </a:p>
@@ -6928,7 +7274,7 @@
     </p:spTree>
     <p:extLst>
       <p:ext uri="{BB962C8B-B14F-4D97-AF65-F5344CB8AC3E}">
-        <p14:creationId xmlns:p14="http://schemas.microsoft.com/office/powerpoint/2010/main" val="4063532692"/>
+        <p14:creationId xmlns:p14="http://schemas.microsoft.com/office/powerpoint/2010/main" val="3797095968"/>
       </p:ext>
     </p:extLst>
   </p:cSld>
@@ -6960,7 +7306,7 @@
       </p:grpSpPr>
       <p:sp>
         <p:nvSpPr>
-          <p:cNvPr id="2" name="标题 1"/>
+          <p:cNvPr id="4" name="标题 3"/>
           <p:cNvSpPr>
             <a:spLocks noGrp="1"/>
           </p:cNvSpPr>
@@ -6974,8 +7320,12 @@
           <a:lstStyle/>
           <a:p>
             <a:r>
+              <a:rPr lang="zh-CN" altLang="en-US" dirty="0"/>
+              <a:t>复杂</a:t>
+            </a:r>
+            <a:r>
               <a:rPr lang="zh-CN" altLang="en-US" dirty="0" smtClean="0"/>
-              <a:t>时间复杂度</a:t>
+              <a:t>度</a:t>
             </a:r>
             <a:endParaRPr lang="zh-CN" altLang="en-US" dirty="0"/>
           </a:p>
@@ -6983,7 +7333,7 @@
       </p:sp>
       <p:sp>
         <p:nvSpPr>
-          <p:cNvPr id="3" name="内容占位符 2"/>
+          <p:cNvPr id="5" name="内容占位符 4"/>
           <p:cNvSpPr>
             <a:spLocks noGrp="1"/>
           </p:cNvSpPr>
@@ -6994,7 +7344,7 @@
         <p:spPr>
           <a:xfrm>
             <a:off x="519248" y="1714500"/>
-            <a:ext cx="11151916" cy="4062651"/>
+            <a:ext cx="11151916" cy="1354217"/>
           </a:xfrm>
         </p:spPr>
         <p:txBody>
@@ -7003,85 +7353,18 @@
           <a:p>
             <a:r>
               <a:rPr lang="zh-CN" altLang="en-US" dirty="0" smtClean="0"/>
-              <a:t>衡量程序执行指令的数量</a:t>
+              <a:t>程序执行需要多少时间？</a:t>
             </a:r>
             <a:endParaRPr lang="en-US" altLang="zh-CN" dirty="0" smtClean="0"/>
           </a:p>
           <a:p>
             <a:r>
+              <a:rPr lang="zh-CN" altLang="en-US" dirty="0"/>
+              <a:t>需要多少</a:t>
+            </a:r>
+            <a:r>
               <a:rPr lang="zh-CN" altLang="en-US" dirty="0" smtClean="0"/>
-              <a:t>问题：选择排序需要执行多少指令？</a:t>
-            </a:r>
-            <a:endParaRPr lang="en-US" altLang="zh-CN" dirty="0" smtClean="0"/>
-          </a:p>
-          <a:p>
-            <a:pPr lvl="1"/>
-            <a:r>
-              <a:rPr lang="zh-CN" altLang="en-US" dirty="0" smtClean="0"/>
-              <a:t>每次赋值</a:t>
-            </a:r>
-            <a:r>
-              <a:rPr lang="en-US" altLang="zh-CN" dirty="0" smtClean="0"/>
-              <a:t>1</a:t>
-            </a:r>
-            <a:r>
-              <a:rPr lang="zh-CN" altLang="en-US" dirty="0" smtClean="0"/>
-              <a:t>条指令</a:t>
-            </a:r>
-            <a:endParaRPr lang="en-US" altLang="zh-CN" dirty="0" smtClean="0"/>
-          </a:p>
-          <a:p>
-            <a:pPr lvl="1"/>
-            <a:r>
-              <a:rPr lang="zh-CN" altLang="en-US" dirty="0" smtClean="0"/>
-              <a:t>每次比较</a:t>
-            </a:r>
-            <a:r>
-              <a:rPr lang="en-US" altLang="zh-CN" dirty="0" smtClean="0"/>
-              <a:t>1</a:t>
-            </a:r>
-            <a:r>
-              <a:rPr lang="zh-CN" altLang="en-US" dirty="0" smtClean="0"/>
-              <a:t>条指令</a:t>
-            </a:r>
-            <a:endParaRPr lang="en-US" altLang="zh-CN" dirty="0" smtClean="0"/>
-          </a:p>
-          <a:p>
-            <a:pPr lvl="1"/>
-            <a:r>
-              <a:rPr lang="zh-CN" altLang="en-US" dirty="0" smtClean="0"/>
-              <a:t>大约在</a:t>
-            </a:r>
-            <a:r>
-              <a:rPr lang="en-US" altLang="zh-CN" dirty="0" smtClean="0"/>
-              <a:t>n(n-1)/2 </a:t>
-            </a:r>
-            <a:r>
-              <a:rPr lang="zh-CN" altLang="en-US" dirty="0" smtClean="0"/>
-              <a:t>到 </a:t>
-            </a:r>
-            <a:r>
-              <a:rPr lang="en-US" altLang="zh-CN" dirty="0"/>
-              <a:t>n(n-1</a:t>
-            </a:r>
-            <a:r>
-              <a:rPr lang="en-US" altLang="zh-CN" dirty="0" smtClean="0"/>
-              <a:t>)*2</a:t>
-            </a:r>
-          </a:p>
-          <a:p>
-            <a:pPr lvl="1"/>
-            <a:r>
-              <a:rPr lang="zh-CN" altLang="en-US" dirty="0" smtClean="0"/>
-              <a:t>另一方面，读入和输出数据各需要</a:t>
-            </a:r>
-            <a:r>
-              <a:rPr lang="en-US" altLang="zh-CN" dirty="0" smtClean="0"/>
-              <a:t>n</a:t>
-            </a:r>
-            <a:r>
-              <a:rPr lang="zh-CN" altLang="en-US" dirty="0" smtClean="0"/>
-              <a:t>次操作</a:t>
+              <a:t>空间（内存）？</a:t>
             </a:r>
             <a:endParaRPr lang="zh-CN" altLang="en-US" dirty="0"/>
           </a:p>
@@ -7090,7 +7373,7 @@
     </p:spTree>
     <p:extLst>
       <p:ext uri="{BB962C8B-B14F-4D97-AF65-F5344CB8AC3E}">
-        <p14:creationId xmlns:p14="http://schemas.microsoft.com/office/powerpoint/2010/main" val="3913349495"/>
+        <p14:creationId xmlns:p14="http://schemas.microsoft.com/office/powerpoint/2010/main" val="4063532692"/>
       </p:ext>
     </p:extLst>
   </p:cSld>
@@ -7136,6 +7419,168 @@
           <a:lstStyle/>
           <a:p>
             <a:r>
+              <a:rPr lang="zh-CN" altLang="en-US" dirty="0" smtClean="0"/>
+              <a:t>时间复杂度</a:t>
+            </a:r>
+            <a:endParaRPr lang="zh-CN" altLang="en-US" dirty="0"/>
+          </a:p>
+        </p:txBody>
+      </p:sp>
+      <p:sp>
+        <p:nvSpPr>
+          <p:cNvPr id="3" name="内容占位符 2"/>
+          <p:cNvSpPr>
+            <a:spLocks noGrp="1"/>
+          </p:cNvSpPr>
+          <p:nvPr>
+            <p:ph idx="1"/>
+          </p:nvPr>
+        </p:nvSpPr>
+        <p:spPr>
+          <a:xfrm>
+            <a:off x="519248" y="1714500"/>
+            <a:ext cx="11151916" cy="4062651"/>
+          </a:xfrm>
+        </p:spPr>
+        <p:txBody>
+          <a:bodyPr/>
+          <a:lstStyle/>
+          <a:p>
+            <a:r>
+              <a:rPr lang="zh-CN" altLang="en-US" dirty="0" smtClean="0"/>
+              <a:t>衡量程序执行指令的数量</a:t>
+            </a:r>
+            <a:endParaRPr lang="en-US" altLang="zh-CN" dirty="0" smtClean="0"/>
+          </a:p>
+          <a:p>
+            <a:r>
+              <a:rPr lang="zh-CN" altLang="en-US" dirty="0" smtClean="0"/>
+              <a:t>问题：选择排序需要执行多少指令？</a:t>
+            </a:r>
+            <a:endParaRPr lang="en-US" altLang="zh-CN" dirty="0" smtClean="0"/>
+          </a:p>
+          <a:p>
+            <a:pPr lvl="1"/>
+            <a:r>
+              <a:rPr lang="zh-CN" altLang="en-US" dirty="0" smtClean="0"/>
+              <a:t>每次赋值</a:t>
+            </a:r>
+            <a:r>
+              <a:rPr lang="en-US" altLang="zh-CN" dirty="0" smtClean="0"/>
+              <a:t>1</a:t>
+            </a:r>
+            <a:r>
+              <a:rPr lang="zh-CN" altLang="en-US" dirty="0" smtClean="0"/>
+              <a:t>条指令</a:t>
+            </a:r>
+            <a:endParaRPr lang="en-US" altLang="zh-CN" dirty="0" smtClean="0"/>
+          </a:p>
+          <a:p>
+            <a:pPr lvl="1"/>
+            <a:r>
+              <a:rPr lang="zh-CN" altLang="en-US" dirty="0" smtClean="0"/>
+              <a:t>每次比较</a:t>
+            </a:r>
+            <a:r>
+              <a:rPr lang="en-US" altLang="zh-CN" dirty="0" smtClean="0"/>
+              <a:t>1</a:t>
+            </a:r>
+            <a:r>
+              <a:rPr lang="zh-CN" altLang="en-US" dirty="0" smtClean="0"/>
+              <a:t>条指令</a:t>
+            </a:r>
+            <a:endParaRPr lang="en-US" altLang="zh-CN" dirty="0" smtClean="0"/>
+          </a:p>
+          <a:p>
+            <a:pPr lvl="1"/>
+            <a:r>
+              <a:rPr lang="zh-CN" altLang="en-US" dirty="0" smtClean="0"/>
+              <a:t>大约在</a:t>
+            </a:r>
+            <a:r>
+              <a:rPr lang="en-US" altLang="zh-CN" dirty="0" smtClean="0"/>
+              <a:t>n(n-1)/2 </a:t>
+            </a:r>
+            <a:r>
+              <a:rPr lang="zh-CN" altLang="en-US" dirty="0" smtClean="0"/>
+              <a:t>到 </a:t>
+            </a:r>
+            <a:r>
+              <a:rPr lang="en-US" altLang="zh-CN" dirty="0"/>
+              <a:t>n(n-1</a:t>
+            </a:r>
+            <a:r>
+              <a:rPr lang="en-US" altLang="zh-CN" dirty="0" smtClean="0"/>
+              <a:t>)*2</a:t>
+            </a:r>
+          </a:p>
+          <a:p>
+            <a:pPr lvl="1"/>
+            <a:r>
+              <a:rPr lang="zh-CN" altLang="en-US" dirty="0" smtClean="0"/>
+              <a:t>另一方面，读入和输出数据各需要</a:t>
+            </a:r>
+            <a:r>
+              <a:rPr lang="en-US" altLang="zh-CN" dirty="0" smtClean="0"/>
+              <a:t>n</a:t>
+            </a:r>
+            <a:r>
+              <a:rPr lang="zh-CN" altLang="en-US" dirty="0" smtClean="0"/>
+              <a:t>次操作</a:t>
+            </a:r>
+            <a:endParaRPr lang="zh-CN" altLang="en-US" dirty="0"/>
+          </a:p>
+        </p:txBody>
+      </p:sp>
+    </p:spTree>
+    <p:extLst>
+      <p:ext uri="{BB962C8B-B14F-4D97-AF65-F5344CB8AC3E}">
+        <p14:creationId xmlns:p14="http://schemas.microsoft.com/office/powerpoint/2010/main" val="3913349495"/>
+      </p:ext>
+    </p:extLst>
+  </p:cSld>
+  <p:clrMapOvr>
+    <a:masterClrMapping/>
+  </p:clrMapOvr>
+  <p:transition>
+    <p:fade/>
+  </p:transition>
+</p:sld>
+</file>
+
+<file path=ppt/slides/slide19.xml><?xml version="1.0" encoding="utf-8"?>
+<p:sld xmlns:a="http://schemas.openxmlformats.org/drawingml/2006/main" xmlns:r="http://schemas.openxmlformats.org/officeDocument/2006/relationships" xmlns:p="http://schemas.openxmlformats.org/presentationml/2006/main">
+  <p:cSld>
+    <p:spTree>
+      <p:nvGrpSpPr>
+        <p:cNvPr id="1" name=""/>
+        <p:cNvGrpSpPr/>
+        <p:nvPr/>
+      </p:nvGrpSpPr>
+      <p:grpSpPr>
+        <a:xfrm>
+          <a:off x="0" y="0"/>
+          <a:ext cx="0" cy="0"/>
+          <a:chOff x="0" y="0"/>
+          <a:chExt cx="0" cy="0"/>
+        </a:xfrm>
+      </p:grpSpPr>
+      <p:sp>
+        <p:nvSpPr>
+          <p:cNvPr id="2" name="标题 1"/>
+          <p:cNvSpPr>
+            <a:spLocks noGrp="1"/>
+          </p:cNvSpPr>
+          <p:nvPr>
+            <p:ph type="title"/>
+          </p:nvPr>
+        </p:nvSpPr>
+        <p:spPr/>
+        <p:txBody>
+          <a:bodyPr/>
+          <a:lstStyle/>
+          <a:p>
+            <a:r>
               <a:rPr lang="zh-CN" altLang="en-US" dirty="0"/>
               <a:t>渐进</a:t>
             </a:r>
@@ -7250,7 +7695,102 @@
 </p:sld>
 </file>
 
-<file path=ppt/slides/slide19.xml><?xml version="1.0" encoding="utf-8"?>
+<file path=ppt/slides/slide2.xml><?xml version="1.0" encoding="utf-8"?>
+<p:sld xmlns:a="http://schemas.openxmlformats.org/drawingml/2006/main" xmlns:r="http://schemas.openxmlformats.org/officeDocument/2006/relationships" xmlns:p="http://schemas.openxmlformats.org/presentationml/2006/main">
+  <p:cSld>
+    <p:spTree>
+      <p:nvGrpSpPr>
+        <p:cNvPr id="1" name=""/>
+        <p:cNvGrpSpPr/>
+        <p:nvPr/>
+      </p:nvGrpSpPr>
+      <p:grpSpPr>
+        <a:xfrm>
+          <a:off x="0" y="0"/>
+          <a:ext cx="0" cy="0"/>
+          <a:chOff x="0" y="0"/>
+          <a:chExt cx="0" cy="0"/>
+        </a:xfrm>
+      </p:grpSpPr>
+      <p:sp>
+        <p:nvSpPr>
+          <p:cNvPr id="2" name="标题 1"/>
+          <p:cNvSpPr>
+            <a:spLocks noGrp="1"/>
+          </p:cNvSpPr>
+          <p:nvPr>
+            <p:ph type="title"/>
+          </p:nvPr>
+        </p:nvSpPr>
+        <p:spPr/>
+        <p:txBody>
+          <a:bodyPr/>
+          <a:lstStyle/>
+          <a:p>
+            <a:endParaRPr lang="zh-CN" altLang="en-US"/>
+          </a:p>
+        </p:txBody>
+      </p:sp>
+      <p:sp>
+        <p:nvSpPr>
+          <p:cNvPr id="3" name="内容占位符 2"/>
+          <p:cNvSpPr>
+            <a:spLocks noGrp="1"/>
+          </p:cNvSpPr>
+          <p:nvPr>
+            <p:ph idx="1"/>
+          </p:nvPr>
+        </p:nvSpPr>
+        <p:spPr>
+          <a:xfrm>
+            <a:off x="519248" y="1714500"/>
+            <a:ext cx="11151916" cy="2573012"/>
+          </a:xfrm>
+        </p:spPr>
+        <p:txBody>
+          <a:bodyPr/>
+          <a:lstStyle/>
+          <a:p>
+            <a:r>
+              <a:rPr lang="en-US" altLang="zh-CN" dirty="0">
+                <a:hlinkClick r:id="rId2"/>
+              </a:rPr>
+              <a:t>http://</a:t>
+            </a:r>
+            <a:r>
+              <a:rPr lang="en-US" altLang="zh-CN" dirty="0" smtClean="0">
+                <a:hlinkClick r:id="rId2"/>
+              </a:rPr>
+              <a:t>www.runoob.com/cplusplus/cpp-tutorial.html</a:t>
+            </a:r>
+            <a:endParaRPr lang="en-US" altLang="zh-CN" dirty="0" smtClean="0"/>
+          </a:p>
+          <a:p>
+            <a:r>
+              <a:rPr lang="en-US" altLang="zh-CN" dirty="0"/>
+              <a:t>https://github.com/duanqn/programming_basic</a:t>
+            </a:r>
+            <a:endParaRPr lang="zh-CN" altLang="en-US" dirty="0"/>
+          </a:p>
+        </p:txBody>
+      </p:sp>
+    </p:spTree>
+    <p:extLst>
+      <p:ext uri="{BB962C8B-B14F-4D97-AF65-F5344CB8AC3E}">
+        <p14:creationId xmlns:p14="http://schemas.microsoft.com/office/powerpoint/2010/main" val="2186266990"/>
+      </p:ext>
+    </p:extLst>
+  </p:cSld>
+  <p:clrMapOvr>
+    <a:masterClrMapping/>
+  </p:clrMapOvr>
+  <p:transition>
+    <p:fade/>
+  </p:transition>
+</p:sld>
+</file>
+
+<file path=ppt/slides/slide20.xml><?xml version="1.0" encoding="utf-8"?>
 <p:sld xmlns:a="http://schemas.openxmlformats.org/drawingml/2006/main" xmlns:r="http://schemas.openxmlformats.org/officeDocument/2006/relationships" xmlns:p="http://schemas.openxmlformats.org/presentationml/2006/main">
   <p:cSld>
     <p:spTree>
@@ -7808,143 +8348,7 @@
 </p:sld>
 </file>
 
-<file path=ppt/slides/slide2.xml><?xml version="1.0" encoding="utf-8"?>
-<p:sld xmlns:a="http://schemas.openxmlformats.org/drawingml/2006/main" xmlns:r="http://schemas.openxmlformats.org/officeDocument/2006/relationships" xmlns:p="http://schemas.openxmlformats.org/presentationml/2006/main">
-  <p:cSld>
-    <p:spTree>
-      <p:nvGrpSpPr>
-        <p:cNvPr id="1" name=""/>
-        <p:cNvGrpSpPr/>
-        <p:nvPr/>
-      </p:nvGrpSpPr>
-      <p:grpSpPr>
-        <a:xfrm>
-          <a:off x="0" y="0"/>
-          <a:ext cx="0" cy="0"/>
-          <a:chOff x="0" y="0"/>
-          <a:chExt cx="0" cy="0"/>
-        </a:xfrm>
-      </p:grpSpPr>
-      <p:sp>
-        <p:nvSpPr>
-          <p:cNvPr id="2" name="标题 1"/>
-          <p:cNvSpPr>
-            <a:spLocks noGrp="1"/>
-          </p:cNvSpPr>
-          <p:nvPr>
-            <p:ph type="title"/>
-          </p:nvPr>
-        </p:nvSpPr>
-        <p:spPr/>
-        <p:txBody>
-          <a:bodyPr/>
-          <a:lstStyle/>
-          <a:p>
-            <a:r>
-              <a:rPr lang="zh-CN" altLang="en-US" dirty="0" smtClean="0"/>
-              <a:t>作业点评</a:t>
-            </a:r>
-            <a:endParaRPr lang="zh-CN" altLang="en-US" dirty="0"/>
-          </a:p>
-        </p:txBody>
-      </p:sp>
-      <p:sp>
-        <p:nvSpPr>
-          <p:cNvPr id="3" name="内容占位符 2"/>
-          <p:cNvSpPr>
-            <a:spLocks noGrp="1"/>
-          </p:cNvSpPr>
-          <p:nvPr>
-            <p:ph idx="1"/>
-          </p:nvPr>
-        </p:nvSpPr>
-        <p:spPr>
-          <a:xfrm>
-            <a:off x="519248" y="1714500"/>
-            <a:ext cx="11151916" cy="2099036"/>
-          </a:xfrm>
-        </p:spPr>
-        <p:txBody>
-          <a:bodyPr/>
-          <a:lstStyle/>
-          <a:p>
-            <a:r>
-              <a:rPr lang="zh-CN" altLang="en-US" dirty="0" smtClean="0"/>
-              <a:t>张耀丹</a:t>
-            </a:r>
-            <a:r>
-              <a:rPr lang="en-US" altLang="zh-CN" dirty="0" smtClean="0"/>
-              <a:t>100</a:t>
-            </a:r>
-            <a:r>
-              <a:rPr lang="zh-CN" altLang="en-US" dirty="0" smtClean="0"/>
-              <a:t>分</a:t>
-            </a:r>
-            <a:endParaRPr lang="en-US" altLang="zh-CN" dirty="0" smtClean="0"/>
-          </a:p>
-          <a:p>
-            <a:r>
-              <a:rPr lang="zh-CN" altLang="en-US" dirty="0"/>
-              <a:t>李</a:t>
-            </a:r>
-            <a:r>
-              <a:rPr lang="zh-CN" altLang="en-US" dirty="0" smtClean="0"/>
-              <a:t>恩泽</a:t>
-            </a:r>
-            <a:r>
-              <a:rPr lang="en-US" altLang="zh-CN" dirty="0" smtClean="0"/>
-              <a:t>10</a:t>
-            </a:r>
-            <a:r>
-              <a:rPr lang="zh-CN" altLang="en-US" dirty="0" smtClean="0"/>
-              <a:t>分</a:t>
-            </a:r>
-            <a:r>
-              <a:rPr lang="en-US" altLang="zh-CN" dirty="0" smtClean="0"/>
-              <a:t> </a:t>
-            </a:r>
-            <a:r>
-              <a:rPr lang="zh-CN" altLang="en-US" dirty="0" smtClean="0"/>
-              <a:t>其余</a:t>
-            </a:r>
-            <a:r>
-              <a:rPr lang="en-US" altLang="zh-CN" dirty="0" smtClean="0"/>
-              <a:t>presentation error</a:t>
-            </a:r>
-          </a:p>
-          <a:p>
-            <a:r>
-              <a:rPr lang="zh-CN" altLang="en-US" dirty="0" smtClean="0"/>
-              <a:t>马皓然  输出多余信息</a:t>
-            </a:r>
-            <a:endParaRPr lang="en-US" altLang="zh-CN" dirty="0" smtClean="0"/>
-          </a:p>
-        </p:txBody>
-      </p:sp>
-    </p:spTree>
-    <p:extLst>
-      <p:ext uri="{BB962C8B-B14F-4D97-AF65-F5344CB8AC3E}">
-        <p14:creationId xmlns:p14="http://schemas.microsoft.com/office/powerpoint/2010/main" val="1163630077"/>
-      </p:ext>
-    </p:extLst>
-  </p:cSld>
-  <p:clrMapOvr>
-    <a:masterClrMapping/>
-  </p:clrMapOvr>
-  <p:transition>
-    <p:fade/>
-  </p:transition>
-  <p:timing>
-    <p:tnLst>
-      <p:par>
-        <p:cTn id="1" dur="indefinite" restart="never" nodeType="tmRoot"/>
-      </p:par>
-    </p:tnLst>
-  </p:timing>
-</p:sld>
-</file>
-
-<file path=ppt/slides/slide20.xml><?xml version="1.0" encoding="utf-8"?>
+<file path=ppt/slides/slide21.xml><?xml version="1.0" encoding="utf-8"?>
 <p:sld xmlns:a="http://schemas.openxmlformats.org/drawingml/2006/main" xmlns:r="http://schemas.openxmlformats.org/officeDocument/2006/relationships" xmlns:p="http://schemas.openxmlformats.org/presentationml/2006/main">
   <p:cSld>
     <p:spTree>
@@ -8215,7 +8619,7 @@
 </p:sld>
 </file>
 
-<file path=ppt/slides/slide21.xml><?xml version="1.0" encoding="utf-8"?>
+<file path=ppt/slides/slide22.xml><?xml version="1.0" encoding="utf-8"?>
 <p:sld xmlns:a="http://schemas.openxmlformats.org/drawingml/2006/main" xmlns:r="http://schemas.openxmlformats.org/officeDocument/2006/relationships" xmlns:p="http://schemas.openxmlformats.org/presentationml/2006/main">
   <p:cSld>
     <p:spTree>
@@ -8401,152 +8805,6 @@
 </p:sld>
 </file>
 
-<file path=ppt/slides/slide22.xml><?xml version="1.0" encoding="utf-8"?>
-<p:sld xmlns:a="http://schemas.openxmlformats.org/drawingml/2006/main" xmlns:r="http://schemas.openxmlformats.org/officeDocument/2006/relationships" xmlns:p="http://schemas.openxmlformats.org/presentationml/2006/main">
-  <p:cSld>
-    <p:spTree>
-      <p:nvGrpSpPr>
-        <p:cNvPr id="1" name=""/>
-        <p:cNvGrpSpPr/>
-        <p:nvPr/>
-      </p:nvGrpSpPr>
-      <p:grpSpPr>
-        <a:xfrm>
-          <a:off x="0" y="0"/>
-          <a:ext cx="0" cy="0"/>
-          <a:chOff x="0" y="0"/>
-          <a:chExt cx="0" cy="0"/>
-        </a:xfrm>
-      </p:grpSpPr>
-      <p:sp>
-        <p:nvSpPr>
-          <p:cNvPr id="2" name="标题 1"/>
-          <p:cNvSpPr>
-            <a:spLocks noGrp="1"/>
-          </p:cNvSpPr>
-          <p:nvPr>
-            <p:ph type="title"/>
-          </p:nvPr>
-        </p:nvSpPr>
-        <p:spPr/>
-        <p:txBody>
-          <a:bodyPr/>
-          <a:lstStyle/>
-          <a:p>
-            <a:r>
-              <a:rPr lang="zh-CN" altLang="en-US" dirty="0" smtClean="0"/>
-              <a:t>递归计算斐波那契数</a:t>
-            </a:r>
-            <a:endParaRPr lang="zh-CN" altLang="en-US" dirty="0"/>
-          </a:p>
-        </p:txBody>
-      </p:sp>
-      <p:sp>
-        <p:nvSpPr>
-          <p:cNvPr id="4" name="内容占位符 3"/>
-          <p:cNvSpPr>
-            <a:spLocks noGrp="1"/>
-          </p:cNvSpPr>
-          <p:nvPr>
-            <p:ph idx="1"/>
-          </p:nvPr>
-        </p:nvSpPr>
-        <p:spPr>
-          <a:xfrm>
-            <a:off x="519248" y="1905000"/>
-            <a:ext cx="11151916" cy="2363724"/>
-          </a:xfrm>
-        </p:spPr>
-        <p:txBody>
-          <a:bodyPr/>
-          <a:lstStyle/>
-          <a:p>
-            <a:r>
-              <a:rPr lang="en-US" altLang="zh-CN" dirty="0" smtClean="0"/>
-              <a:t>	</a:t>
-            </a:r>
-            <a:r>
-              <a:rPr lang="en-US" altLang="zh-CN" dirty="0" err="1" smtClean="0"/>
-              <a:t>int</a:t>
-            </a:r>
-            <a:r>
-              <a:rPr lang="en-US" altLang="zh-CN" dirty="0" smtClean="0"/>
-              <a:t> fib(</a:t>
-            </a:r>
-            <a:r>
-              <a:rPr lang="en-US" altLang="zh-CN" dirty="0" err="1" smtClean="0"/>
-              <a:t>int</a:t>
-            </a:r>
-            <a:r>
-              <a:rPr lang="en-US" altLang="zh-CN" dirty="0" smtClean="0"/>
-              <a:t> n){</a:t>
-            </a:r>
-          </a:p>
-          <a:p>
-            <a:r>
-              <a:rPr lang="en-US" altLang="zh-CN" dirty="0"/>
-              <a:t>	</a:t>
-            </a:r>
-            <a:r>
-              <a:rPr lang="en-US" altLang="zh-CN" dirty="0" smtClean="0"/>
-              <a:t>	if(n &lt;= 1)</a:t>
-            </a:r>
-          </a:p>
-          <a:p>
-            <a:r>
-              <a:rPr lang="en-US" altLang="zh-CN" dirty="0"/>
-              <a:t>	</a:t>
-            </a:r>
-            <a:r>
-              <a:rPr lang="en-US" altLang="zh-CN" dirty="0" smtClean="0"/>
-              <a:t>		return 1;</a:t>
-            </a:r>
-          </a:p>
-          <a:p>
-            <a:r>
-              <a:rPr lang="en-US" altLang="zh-CN" dirty="0"/>
-              <a:t>	</a:t>
-            </a:r>
-            <a:r>
-              <a:rPr lang="en-US" altLang="zh-CN" dirty="0" smtClean="0"/>
-              <a:t>	else</a:t>
-            </a:r>
-          </a:p>
-          <a:p>
-            <a:r>
-              <a:rPr lang="en-US" altLang="zh-CN" dirty="0"/>
-              <a:t>	</a:t>
-            </a:r>
-            <a:r>
-              <a:rPr lang="en-US" altLang="zh-CN" dirty="0" smtClean="0"/>
-              <a:t>		return fib(n - 1) + fib(n - 2);</a:t>
-            </a:r>
-          </a:p>
-          <a:p>
-            <a:r>
-              <a:rPr lang="en-US" altLang="zh-CN" dirty="0" smtClean="0"/>
-              <a:t>	}</a:t>
-            </a:r>
-            <a:endParaRPr lang="zh-CN" altLang="en-US" dirty="0"/>
-          </a:p>
-        </p:txBody>
-      </p:sp>
-    </p:spTree>
-    <p:extLst>
-      <p:ext uri="{BB962C8B-B14F-4D97-AF65-F5344CB8AC3E}">
-        <p14:creationId xmlns:p14="http://schemas.microsoft.com/office/powerpoint/2010/main" val="1953546654"/>
-      </p:ext>
-    </p:extLst>
-  </p:cSld>
-  <p:clrMapOvr>
-    <a:masterClrMapping/>
-  </p:clrMapOvr>
-  <p:transition>
-    <p:fade/>
-  </p:transition>
-</p:sld>
-</file>
-
 <file path=ppt/slides/slide23.xml><?xml version="1.0" encoding="utf-8"?>
 <p:sld xmlns:a="http://schemas.openxmlformats.org/drawingml/2006/main" xmlns:r="http://schemas.openxmlformats.org/officeDocument/2006/relationships" xmlns:p="http://schemas.openxmlformats.org/presentationml/2006/main">
   <p:cSld>
@@ -8600,7 +8858,7 @@
         <p:spPr>
           <a:xfrm>
             <a:off x="519248" y="1905000"/>
-            <a:ext cx="11151916" cy="3176254"/>
+            <a:ext cx="11151916" cy="2363724"/>
           </a:xfrm>
         </p:spPr>
         <p:txBody>
@@ -8672,27 +8930,6 @@
             <a:r>
               <a:rPr lang="en-US" altLang="zh-CN" dirty="0" smtClean="0"/>
               <a:t>	}</a:t>
-            </a:r>
-          </a:p>
-          <a:p>
-            <a:r>
-              <a:rPr lang="en-US" altLang="zh-CN" dirty="0"/>
-              <a:t>	</a:t>
-            </a:r>
-            <a:endParaRPr lang="en-US" altLang="zh-CN" dirty="0" smtClean="0"/>
-          </a:p>
-          <a:p>
-            <a:r>
-              <a:rPr lang="en-US" altLang="zh-CN" dirty="0"/>
-              <a:t>	</a:t>
-            </a:r>
-            <a:r>
-              <a:rPr lang="en-US" altLang="zh-CN" dirty="0" smtClean="0"/>
-              <a:t>//</a:t>
-            </a:r>
-            <a:r>
-              <a:rPr lang="zh-CN" altLang="en-US" dirty="0" smtClean="0"/>
-              <a:t>复杂度是什么？</a:t>
             </a:r>
             <a:endParaRPr lang="zh-CN" altLang="en-US" dirty="0"/>
           </a:p>
@@ -8701,7 +8938,7 @@
     </p:spTree>
     <p:extLst>
       <p:ext uri="{BB962C8B-B14F-4D97-AF65-F5344CB8AC3E}">
-        <p14:creationId xmlns:p14="http://schemas.microsoft.com/office/powerpoint/2010/main" val="3076894454"/>
+        <p14:creationId xmlns:p14="http://schemas.microsoft.com/office/powerpoint/2010/main" val="1953546654"/>
       </p:ext>
     </p:extLst>
   </p:cSld>
@@ -8733,7 +8970,7 @@
       </p:grpSpPr>
       <p:sp>
         <p:nvSpPr>
-          <p:cNvPr id="4" name="标题 3"/>
+          <p:cNvPr id="2" name="标题 1"/>
           <p:cNvSpPr>
             <a:spLocks noGrp="1"/>
           </p:cNvSpPr>
@@ -8747,20 +8984,8 @@
           <a:lstStyle/>
           <a:p>
             <a:r>
-              <a:rPr lang="zh-CN" altLang="en-US" dirty="0"/>
-              <a:t>递归计算</a:t>
-            </a:r>
-            <a:r>
               <a:rPr lang="zh-CN" altLang="en-US" dirty="0" smtClean="0"/>
-              <a:t>斐波那契数</a:t>
-            </a:r>
-            <a:r>
-              <a:rPr lang="en-US" altLang="zh-CN" dirty="0" smtClean="0"/>
-              <a:t>——</a:t>
-            </a:r>
-            <a:r>
-              <a:rPr lang="zh-CN" altLang="en-US" dirty="0" smtClean="0"/>
-              <a:t>复杂度分析</a:t>
+              <a:t>递归计算斐波那契数</a:t>
             </a:r>
             <a:endParaRPr lang="zh-CN" altLang="en-US" dirty="0"/>
           </a:p>
@@ -8768,7 +8993,7 @@
       </p:sp>
       <p:sp>
         <p:nvSpPr>
-          <p:cNvPr id="5" name="内容占位符 4"/>
+          <p:cNvPr id="4" name="内容占位符 3"/>
           <p:cNvSpPr>
             <a:spLocks noGrp="1"/>
           </p:cNvSpPr>
@@ -8778,8 +9003,8 @@
         </p:nvSpPr>
         <p:spPr>
           <a:xfrm>
-            <a:off x="519248" y="1714500"/>
-            <a:ext cx="11151916" cy="2640723"/>
+            <a:off x="519248" y="1905000"/>
+            <a:ext cx="11151916" cy="3176254"/>
           </a:xfrm>
         </p:spPr>
         <p:txBody>
@@ -8787,86 +9012,100 @@
           <a:lstStyle/>
           <a:p>
             <a:r>
+              <a:rPr lang="en-US" altLang="zh-CN" dirty="0" smtClean="0"/>
+              <a:t>	</a:t>
+            </a:r>
+            <a:r>
+              <a:rPr lang="en-US" altLang="zh-CN" dirty="0" err="1" smtClean="0"/>
+              <a:t>int</a:t>
+            </a:r>
+            <a:r>
+              <a:rPr lang="en-US" altLang="zh-CN" dirty="0" smtClean="0"/>
+              <a:t> fib(</a:t>
+            </a:r>
+            <a:r>
+              <a:rPr lang="en-US" altLang="zh-CN" dirty="0" err="1" smtClean="0"/>
+              <a:t>int</a:t>
+            </a:r>
+            <a:r>
+              <a:rPr lang="en-US" altLang="zh-CN" dirty="0" smtClean="0"/>
+              <a:t> n){</a:t>
+            </a:r>
+          </a:p>
+          <a:p>
+            <a:r>
+              <a:rPr lang="en-US" altLang="zh-CN" dirty="0"/>
+              <a:t>	</a:t>
+            </a:r>
+            <a:r>
+              <a:rPr lang="en-US" altLang="zh-CN" dirty="0" smtClean="0"/>
+              <a:t>	if(n &lt;= 1)</a:t>
+            </a:r>
+          </a:p>
+          <a:p>
+            <a:r>
+              <a:rPr lang="en-US" altLang="zh-CN" dirty="0"/>
+              <a:t>	</a:t>
+            </a:r>
+            <a:r>
+              <a:rPr lang="en-US" altLang="zh-CN" dirty="0" smtClean="0"/>
+              <a:t>		return 1;</a:t>
+            </a:r>
+          </a:p>
+          <a:p>
+            <a:r>
+              <a:rPr lang="en-US" altLang="zh-CN" dirty="0"/>
+              <a:t>	</a:t>
+            </a:r>
+            <a:r>
+              <a:rPr lang="en-US" altLang="zh-CN" dirty="0" smtClean="0"/>
+              <a:t>	else</a:t>
+            </a:r>
+          </a:p>
+          <a:p>
+            <a:r>
+              <a:rPr lang="en-US" altLang="zh-CN" dirty="0"/>
+              <a:t>	</a:t>
+            </a:r>
+            <a:r>
+              <a:rPr lang="en-US" altLang="zh-CN" dirty="0" smtClean="0"/>
+              <a:t>		return fib(n - 1) + fib(n - 2);</a:t>
+            </a:r>
+          </a:p>
+          <a:p>
+            <a:r>
+              <a:rPr lang="en-US" altLang="zh-CN" dirty="0" smtClean="0"/>
+              <a:t>	}</a:t>
+            </a:r>
+          </a:p>
+          <a:p>
+            <a:r>
+              <a:rPr lang="en-US" altLang="zh-CN" dirty="0"/>
+              <a:t>	</a:t>
+            </a:r>
+            <a:endParaRPr lang="en-US" altLang="zh-CN" dirty="0" smtClean="0"/>
+          </a:p>
+          <a:p>
+            <a:r>
+              <a:rPr lang="en-US" altLang="zh-CN" dirty="0"/>
+              <a:t>	</a:t>
+            </a:r>
+            <a:r>
+              <a:rPr lang="en-US" altLang="zh-CN" dirty="0" smtClean="0"/>
+              <a:t>//</a:t>
+            </a:r>
+            <a:r>
               <a:rPr lang="zh-CN" altLang="en-US" dirty="0" smtClean="0"/>
-              <a:t>递归调用</a:t>
-            </a:r>
-            <a:endParaRPr lang="en-US" altLang="zh-CN" dirty="0" smtClean="0"/>
-          </a:p>
-          <a:p>
-            <a:pPr lvl="1"/>
-            <a:r>
-              <a:rPr lang="en-US" altLang="zh-CN" dirty="0" smtClean="0"/>
-              <a:t>fib(n) = fib(n-1) + fib(n-2);</a:t>
-            </a:r>
-          </a:p>
-          <a:p>
-            <a:r>
-              <a:rPr lang="zh-CN" altLang="en-US" dirty="0" smtClean="0"/>
-              <a:t>计算</a:t>
-            </a:r>
-            <a:r>
-              <a:rPr lang="en-US" altLang="zh-CN" dirty="0" smtClean="0"/>
-              <a:t>fib(n)</a:t>
-            </a:r>
-            <a:r>
-              <a:rPr lang="zh-CN" altLang="en-US" dirty="0" smtClean="0"/>
-              <a:t>的次数 </a:t>
-            </a:r>
-            <a:r>
-              <a:rPr lang="en-US" altLang="zh-CN" dirty="0" smtClean="0"/>
-              <a:t>=</a:t>
-            </a:r>
-            <a:r>
-              <a:rPr lang="zh-CN" altLang="en-US" dirty="0"/>
-              <a:t>计算</a:t>
-            </a:r>
-            <a:r>
-              <a:rPr lang="en-US" altLang="zh-CN" dirty="0" smtClean="0"/>
-              <a:t>fib(n-1)</a:t>
-            </a:r>
-            <a:r>
-              <a:rPr lang="zh-CN" altLang="en-US" dirty="0"/>
-              <a:t>的</a:t>
-            </a:r>
-            <a:r>
-              <a:rPr lang="zh-CN" altLang="en-US" dirty="0" smtClean="0"/>
-              <a:t>次数</a:t>
-            </a:r>
-            <a:r>
-              <a:rPr lang="en-US" altLang="zh-CN" dirty="0" smtClean="0"/>
-              <a:t/>
-            </a:r>
-            <a:br>
-              <a:rPr lang="en-US" altLang="zh-CN" dirty="0" smtClean="0"/>
-            </a:br>
-            <a:r>
-              <a:rPr lang="en-US" altLang="zh-CN" dirty="0" smtClean="0"/>
-              <a:t>+</a:t>
-            </a:r>
-            <a:r>
-              <a:rPr lang="zh-CN" altLang="en-US" dirty="0"/>
-              <a:t>计算</a:t>
-            </a:r>
-            <a:r>
-              <a:rPr lang="en-US" altLang="zh-CN" dirty="0" smtClean="0"/>
-              <a:t>fib(n-2)</a:t>
-            </a:r>
-            <a:r>
-              <a:rPr lang="zh-CN" altLang="en-US" dirty="0"/>
-              <a:t>的</a:t>
-            </a:r>
-            <a:r>
-              <a:rPr lang="zh-CN" altLang="en-US" dirty="0" smtClean="0"/>
-              <a:t>次数</a:t>
-            </a:r>
-            <a:endParaRPr lang="en-US" altLang="zh-CN" dirty="0" smtClean="0"/>
+              <a:t>复杂度是什么？</a:t>
+            </a:r>
+            <a:endParaRPr lang="zh-CN" altLang="en-US" dirty="0"/>
           </a:p>
         </p:txBody>
       </p:sp>
     </p:spTree>
     <p:extLst>
       <p:ext uri="{BB962C8B-B14F-4D97-AF65-F5344CB8AC3E}">
-        <p14:creationId xmlns:p14="http://schemas.microsoft.com/office/powerpoint/2010/main" val="4134155526"/>
+        <p14:creationId xmlns:p14="http://schemas.microsoft.com/office/powerpoint/2010/main" val="3076894454"/>
       </p:ext>
     </p:extLst>
   </p:cSld>
@@ -8944,6 +9183,171 @@
         <p:spPr>
           <a:xfrm>
             <a:off x="519248" y="1714500"/>
+            <a:ext cx="11151916" cy="2640723"/>
+          </a:xfrm>
+        </p:spPr>
+        <p:txBody>
+          <a:bodyPr/>
+          <a:lstStyle/>
+          <a:p>
+            <a:r>
+              <a:rPr lang="zh-CN" altLang="en-US" dirty="0" smtClean="0"/>
+              <a:t>递归调用</a:t>
+            </a:r>
+            <a:endParaRPr lang="en-US" altLang="zh-CN" dirty="0" smtClean="0"/>
+          </a:p>
+          <a:p>
+            <a:pPr lvl="1"/>
+            <a:r>
+              <a:rPr lang="en-US" altLang="zh-CN" dirty="0" smtClean="0"/>
+              <a:t>fib(n) = fib(n-1) + fib(n-2);</a:t>
+            </a:r>
+          </a:p>
+          <a:p>
+            <a:r>
+              <a:rPr lang="zh-CN" altLang="en-US" dirty="0" smtClean="0"/>
+              <a:t>计算</a:t>
+            </a:r>
+            <a:r>
+              <a:rPr lang="en-US" altLang="zh-CN" dirty="0" smtClean="0"/>
+              <a:t>fib(n)</a:t>
+            </a:r>
+            <a:r>
+              <a:rPr lang="zh-CN" altLang="en-US" dirty="0" smtClean="0"/>
+              <a:t>的次数 </a:t>
+            </a:r>
+            <a:r>
+              <a:rPr lang="en-US" altLang="zh-CN" dirty="0" smtClean="0"/>
+              <a:t>=</a:t>
+            </a:r>
+            <a:r>
+              <a:rPr lang="zh-CN" altLang="en-US" dirty="0"/>
+              <a:t>计算</a:t>
+            </a:r>
+            <a:r>
+              <a:rPr lang="en-US" altLang="zh-CN" dirty="0" smtClean="0"/>
+              <a:t>fib(n-1)</a:t>
+            </a:r>
+            <a:r>
+              <a:rPr lang="zh-CN" altLang="en-US" dirty="0"/>
+              <a:t>的</a:t>
+            </a:r>
+            <a:r>
+              <a:rPr lang="zh-CN" altLang="en-US" dirty="0" smtClean="0"/>
+              <a:t>次数</a:t>
+            </a:r>
+            <a:r>
+              <a:rPr lang="en-US" altLang="zh-CN" dirty="0" smtClean="0"/>
+              <a:t/>
+            </a:r>
+            <a:br>
+              <a:rPr lang="en-US" altLang="zh-CN" dirty="0" smtClean="0"/>
+            </a:br>
+            <a:r>
+              <a:rPr lang="en-US" altLang="zh-CN" dirty="0" smtClean="0"/>
+              <a:t>+</a:t>
+            </a:r>
+            <a:r>
+              <a:rPr lang="zh-CN" altLang="en-US" dirty="0"/>
+              <a:t>计算</a:t>
+            </a:r>
+            <a:r>
+              <a:rPr lang="en-US" altLang="zh-CN" dirty="0" smtClean="0"/>
+              <a:t>fib(n-2)</a:t>
+            </a:r>
+            <a:r>
+              <a:rPr lang="zh-CN" altLang="en-US" dirty="0"/>
+              <a:t>的</a:t>
+            </a:r>
+            <a:r>
+              <a:rPr lang="zh-CN" altLang="en-US" dirty="0" smtClean="0"/>
+              <a:t>次数</a:t>
+            </a:r>
+            <a:endParaRPr lang="en-US" altLang="zh-CN" dirty="0" smtClean="0"/>
+          </a:p>
+        </p:txBody>
+      </p:sp>
+    </p:spTree>
+    <p:extLst>
+      <p:ext uri="{BB962C8B-B14F-4D97-AF65-F5344CB8AC3E}">
+        <p14:creationId xmlns:p14="http://schemas.microsoft.com/office/powerpoint/2010/main" val="4134155526"/>
+      </p:ext>
+    </p:extLst>
+  </p:cSld>
+  <p:clrMapOvr>
+    <a:masterClrMapping/>
+  </p:clrMapOvr>
+  <p:transition>
+    <p:fade/>
+  </p:transition>
+</p:sld>
+</file>
+
+<file path=ppt/slides/slide26.xml><?xml version="1.0" encoding="utf-8"?>
+<p:sld xmlns:a="http://schemas.openxmlformats.org/drawingml/2006/main" xmlns:r="http://schemas.openxmlformats.org/officeDocument/2006/relationships" xmlns:p="http://schemas.openxmlformats.org/presentationml/2006/main">
+  <p:cSld>
+    <p:spTree>
+      <p:nvGrpSpPr>
+        <p:cNvPr id="1" name=""/>
+        <p:cNvGrpSpPr/>
+        <p:nvPr/>
+      </p:nvGrpSpPr>
+      <p:grpSpPr>
+        <a:xfrm>
+          <a:off x="0" y="0"/>
+          <a:ext cx="0" cy="0"/>
+          <a:chOff x="0" y="0"/>
+          <a:chExt cx="0" cy="0"/>
+        </a:xfrm>
+      </p:grpSpPr>
+      <p:sp>
+        <p:nvSpPr>
+          <p:cNvPr id="4" name="标题 3"/>
+          <p:cNvSpPr>
+            <a:spLocks noGrp="1"/>
+          </p:cNvSpPr>
+          <p:nvPr>
+            <p:ph type="title"/>
+          </p:nvPr>
+        </p:nvSpPr>
+        <p:spPr/>
+        <p:txBody>
+          <a:bodyPr/>
+          <a:lstStyle/>
+          <a:p>
+            <a:r>
+              <a:rPr lang="zh-CN" altLang="en-US" dirty="0"/>
+              <a:t>递归计算</a:t>
+            </a:r>
+            <a:r>
+              <a:rPr lang="zh-CN" altLang="en-US" dirty="0" smtClean="0"/>
+              <a:t>斐波那契数</a:t>
+            </a:r>
+            <a:r>
+              <a:rPr lang="en-US" altLang="zh-CN" dirty="0" smtClean="0"/>
+              <a:t>——</a:t>
+            </a:r>
+            <a:r>
+              <a:rPr lang="zh-CN" altLang="en-US" dirty="0" smtClean="0"/>
+              <a:t>复杂度分析</a:t>
+            </a:r>
+            <a:endParaRPr lang="zh-CN" altLang="en-US" dirty="0"/>
+          </a:p>
+        </p:txBody>
+      </p:sp>
+      <p:sp>
+        <p:nvSpPr>
+          <p:cNvPr id="5" name="内容占位符 4"/>
+          <p:cNvSpPr>
+            <a:spLocks noGrp="1"/>
+          </p:cNvSpPr>
+          <p:nvPr>
+            <p:ph idx="1"/>
+          </p:nvPr>
+        </p:nvSpPr>
+        <p:spPr>
+          <a:xfrm>
+            <a:off x="519248" y="1714500"/>
             <a:ext cx="11151916" cy="3588675"/>
           </a:xfrm>
         </p:spPr>
@@ -9016,7 +9420,7 @@
 </p:sld>
 </file>
 
-<file path=ppt/slides/slide26.xml><?xml version="1.0" encoding="utf-8"?>
+<file path=ppt/slides/slide27.xml><?xml version="1.0" encoding="utf-8"?>
 <p:sld xmlns:a="http://schemas.openxmlformats.org/drawingml/2006/main" xmlns:r="http://schemas.openxmlformats.org/officeDocument/2006/relationships" xmlns:p="http://schemas.openxmlformats.org/presentationml/2006/main">
   <p:cSld>
     <p:spTree>
@@ -9117,7 +9521,7 @@
 </p:sld>
 </file>
 
-<file path=ppt/slides/slide27.xml><?xml version="1.0" encoding="utf-8"?>
+<file path=ppt/slides/slide28.xml><?xml version="1.0" encoding="utf-8"?>
 <p:sld xmlns:a="http://schemas.openxmlformats.org/drawingml/2006/main" xmlns:r="http://schemas.openxmlformats.org/officeDocument/2006/relationships" xmlns:p="http://schemas.openxmlformats.org/presentationml/2006/main">
   <p:cSld>
     <p:spTree>
@@ -9479,129 +9883,6 @@
 </p:sld>
 </file>
 
-<file path=ppt/slides/slide28.xml><?xml version="1.0" encoding="utf-8"?>
-<p:sld xmlns:a="http://schemas.openxmlformats.org/drawingml/2006/main" xmlns:r="http://schemas.openxmlformats.org/officeDocument/2006/relationships" xmlns:p="http://schemas.openxmlformats.org/presentationml/2006/main">
-  <p:cSld>
-    <p:spTree>
-      <p:nvGrpSpPr>
-        <p:cNvPr id="1" name=""/>
-        <p:cNvGrpSpPr/>
-        <p:nvPr/>
-      </p:nvGrpSpPr>
-      <p:grpSpPr>
-        <a:xfrm>
-          <a:off x="0" y="0"/>
-          <a:ext cx="0" cy="0"/>
-          <a:chOff x="0" y="0"/>
-          <a:chExt cx="0" cy="0"/>
-        </a:xfrm>
-      </p:grpSpPr>
-      <p:sp>
-        <p:nvSpPr>
-          <p:cNvPr id="2" name="标题 1"/>
-          <p:cNvSpPr>
-            <a:spLocks noGrp="1"/>
-          </p:cNvSpPr>
-          <p:nvPr>
-            <p:ph type="title"/>
-          </p:nvPr>
-        </p:nvSpPr>
-        <p:spPr/>
-        <p:txBody>
-          <a:bodyPr/>
-          <a:lstStyle/>
-          <a:p>
-            <a:r>
-              <a:rPr lang="zh-CN" altLang="en-US" dirty="0" smtClean="0"/>
-              <a:t>思考：如何加速？</a:t>
-            </a:r>
-            <a:endParaRPr lang="zh-CN" altLang="en-US" dirty="0"/>
-          </a:p>
-        </p:txBody>
-      </p:sp>
-      <p:sp>
-        <p:nvSpPr>
-          <p:cNvPr id="3" name="内容占位符 2"/>
-          <p:cNvSpPr>
-            <a:spLocks noGrp="1"/>
-          </p:cNvSpPr>
-          <p:nvPr>
-            <p:ph idx="1"/>
-          </p:nvPr>
-        </p:nvSpPr>
-        <p:spPr>
-          <a:xfrm>
-            <a:off x="519248" y="1714500"/>
-            <a:ext cx="11151916" cy="2640723"/>
-          </a:xfrm>
-        </p:spPr>
-        <p:txBody>
-          <a:bodyPr/>
-          <a:lstStyle/>
-          <a:p>
-            <a:r>
-              <a:rPr lang="zh-CN" altLang="en-US" dirty="0" smtClean="0"/>
-              <a:t>可以对较小的</a:t>
-            </a:r>
-            <a:r>
-              <a:rPr lang="en-US" altLang="zh-CN" dirty="0" smtClean="0"/>
-              <a:t>n</a:t>
-            </a:r>
-            <a:r>
-              <a:rPr lang="zh-CN" altLang="en-US" dirty="0" smtClean="0"/>
-              <a:t>，提前手工计算</a:t>
-            </a:r>
-            <a:r>
-              <a:rPr lang="en-US" altLang="zh-CN" dirty="0" smtClean="0"/>
-              <a:t>fib(n)</a:t>
-            </a:r>
-            <a:r>
-              <a:rPr lang="zh-CN" altLang="en-US" dirty="0" smtClean="0"/>
-              <a:t>并记录下来，存在数组中，使用时直接查表</a:t>
-            </a:r>
-            <a:endParaRPr lang="en-US" altLang="zh-CN" dirty="0" smtClean="0"/>
-          </a:p>
-          <a:p>
-            <a:pPr lvl="1"/>
-            <a:r>
-              <a:rPr lang="zh-CN" altLang="en-US" dirty="0"/>
-              <a:t>此</a:t>
-            </a:r>
-            <a:r>
-              <a:rPr lang="zh-CN" altLang="en-US" dirty="0" smtClean="0"/>
-              <a:t>为“打表法”</a:t>
-            </a:r>
-            <a:endParaRPr lang="en-US" altLang="zh-CN" dirty="0" smtClean="0"/>
-          </a:p>
-          <a:p>
-            <a:r>
-              <a:rPr lang="zh-CN" altLang="en-US" dirty="0"/>
-              <a:t>打</a:t>
-            </a:r>
-            <a:r>
-              <a:rPr lang="zh-CN" altLang="en-US" dirty="0" smtClean="0"/>
-              <a:t>表不改变复杂度的本质</a:t>
-            </a:r>
-            <a:endParaRPr lang="zh-CN" altLang="en-US" dirty="0"/>
-          </a:p>
-        </p:txBody>
-      </p:sp>
-    </p:spTree>
-    <p:extLst>
-      <p:ext uri="{BB962C8B-B14F-4D97-AF65-F5344CB8AC3E}">
-        <p14:creationId xmlns:p14="http://schemas.microsoft.com/office/powerpoint/2010/main" val="1138677116"/>
-      </p:ext>
-    </p:extLst>
-  </p:cSld>
-  <p:clrMapOvr>
-    <a:masterClrMapping/>
-  </p:clrMapOvr>
-  <p:transition>
-    <p:fade/>
-  </p:transition>
-</p:sld>
-</file>
-
 <file path=ppt/slides/slide29.xml><?xml version="1.0" encoding="utf-8"?>
 <p:sld xmlns:a="http://schemas.openxmlformats.org/drawingml/2006/main" xmlns:r="http://schemas.openxmlformats.org/officeDocument/2006/relationships" xmlns:p="http://schemas.openxmlformats.org/presentationml/2006/main">
   <p:cSld>
@@ -9636,7 +9917,7 @@
           <a:p>
             <a:r>
               <a:rPr lang="zh-CN" altLang="en-US" dirty="0" smtClean="0"/>
-              <a:t>快速排序</a:t>
+              <a:t>思考：如何加速？</a:t>
             </a:r>
             <a:endParaRPr lang="zh-CN" altLang="en-US" dirty="0"/>
           </a:p>
@@ -9655,7 +9936,7 @@
         <p:spPr>
           <a:xfrm>
             <a:off x="519248" y="1714500"/>
-            <a:ext cx="11151916" cy="4684359"/>
+            <a:ext cx="11151916" cy="2640723"/>
           </a:xfrm>
         </p:spPr>
         <p:txBody>
@@ -9664,104 +9945,55 @@
           <a:p>
             <a:r>
               <a:rPr lang="zh-CN" altLang="en-US" dirty="0" smtClean="0"/>
-              <a:t>基本思想：分治</a:t>
+              <a:t>可以对较小的</a:t>
+            </a:r>
+            <a:r>
+              <a:rPr lang="en-US" altLang="zh-CN" dirty="0" smtClean="0"/>
+              <a:t>n</a:t>
+            </a:r>
+            <a:r>
+              <a:rPr lang="zh-CN" altLang="en-US" dirty="0" smtClean="0"/>
+              <a:t>，提前手工计算</a:t>
+            </a:r>
+            <a:r>
+              <a:rPr lang="en-US" altLang="zh-CN" dirty="0" smtClean="0"/>
+              <a:t>fib(n)</a:t>
+            </a:r>
+            <a:r>
+              <a:rPr lang="zh-CN" altLang="en-US" dirty="0" smtClean="0"/>
+              <a:t>并记录下来，存在数组中，使用时直接查表</a:t>
             </a:r>
             <a:endParaRPr lang="en-US" altLang="zh-CN" dirty="0" smtClean="0"/>
           </a:p>
           <a:p>
+            <a:pPr lvl="1"/>
+            <a:r>
+              <a:rPr lang="zh-CN" altLang="en-US" dirty="0"/>
+              <a:t>此</a:t>
+            </a:r>
             <a:r>
               <a:rPr lang="zh-CN" altLang="en-US" dirty="0" smtClean="0"/>
-              <a:t>将一个大问题划分成几个小问题</a:t>
+              <a:t>为“打表法”</a:t>
             </a:r>
             <a:endParaRPr lang="en-US" altLang="zh-CN" dirty="0" smtClean="0"/>
           </a:p>
           <a:p>
             <a:r>
+              <a:rPr lang="zh-CN" altLang="en-US" dirty="0"/>
+              <a:t>打</a:t>
+            </a:r>
+            <a:r>
               <a:rPr lang="zh-CN" altLang="en-US" dirty="0" smtClean="0"/>
-              <a:t>每一次挑出一个</a:t>
-            </a:r>
-            <a:r>
-              <a:rPr lang="en-US" altLang="zh-CN" dirty="0" smtClean="0"/>
-              <a:t>pivot</a:t>
-            </a:r>
-          </a:p>
-          <a:p>
-            <a:pPr lvl="1"/>
-            <a:r>
-              <a:rPr lang="zh-CN" altLang="en-US" dirty="0" smtClean="0"/>
-              <a:t>做到：小于</a:t>
-            </a:r>
-            <a:r>
-              <a:rPr lang="en-US" altLang="zh-CN" dirty="0" smtClean="0"/>
-              <a:t>pivot</a:t>
-            </a:r>
-            <a:r>
-              <a:rPr lang="zh-CN" altLang="en-US" dirty="0" smtClean="0"/>
-              <a:t>都在它左边</a:t>
-            </a:r>
-            <a:r>
-              <a:rPr lang="en-US" altLang="zh-CN" dirty="0" smtClean="0"/>
-              <a:t/>
-            </a:r>
-            <a:br>
-              <a:rPr lang="en-US" altLang="zh-CN" dirty="0" smtClean="0"/>
-            </a:br>
-            <a:r>
-              <a:rPr lang="en-US" altLang="zh-CN" dirty="0" smtClean="0"/>
-              <a:t>			</a:t>
-            </a:r>
-            <a:r>
-              <a:rPr lang="zh-CN" altLang="en-US" dirty="0" smtClean="0"/>
-              <a:t>大于</a:t>
-            </a:r>
-            <a:r>
-              <a:rPr lang="en-US" altLang="zh-CN" dirty="0" smtClean="0"/>
-              <a:t>pivot</a:t>
-            </a:r>
-            <a:r>
-              <a:rPr lang="zh-CN" altLang="en-US" dirty="0" smtClean="0"/>
-              <a:t>都在它右边 （从小到大）</a:t>
-            </a:r>
-            <a:endParaRPr lang="en-US" altLang="zh-CN" dirty="0" smtClean="0"/>
-          </a:p>
-          <a:p>
-            <a:pPr lvl="1"/>
-            <a:r>
-              <a:rPr lang="zh-CN" altLang="en-US" dirty="0" smtClean="0"/>
-              <a:t>然后？</a:t>
-            </a:r>
-            <a:endParaRPr lang="en-US" altLang="zh-CN" dirty="0" smtClean="0"/>
-          </a:p>
-          <a:p>
-            <a:pPr lvl="1"/>
-            <a:r>
-              <a:rPr lang="zh-CN" altLang="en-US" dirty="0" smtClean="0"/>
-              <a:t>快速排序：</a:t>
-            </a:r>
-            <a:r>
-              <a:rPr lang="en-US" altLang="zh-CN" dirty="0" smtClean="0"/>
-              <a:t>pivot</a:t>
-            </a:r>
-            <a:r>
-              <a:rPr lang="zh-CN" altLang="en-US" dirty="0" smtClean="0"/>
-              <a:t>左边的和</a:t>
-            </a:r>
-            <a:r>
-              <a:rPr lang="en-US" altLang="zh-CN" dirty="0" smtClean="0"/>
-              <a:t>pivot</a:t>
-            </a:r>
-            <a:r>
-              <a:rPr lang="zh-CN" altLang="en-US" dirty="0" smtClean="0"/>
-              <a:t>右边的部分</a:t>
-            </a:r>
-            <a:endParaRPr lang="en-US" altLang="zh-CN" dirty="0"/>
+              <a:t>表不改变复杂度的本质</a:t>
+            </a:r>
+            <a:endParaRPr lang="zh-CN" altLang="en-US" dirty="0"/>
           </a:p>
         </p:txBody>
       </p:sp>
     </p:spTree>
     <p:extLst>
       <p:ext uri="{BB962C8B-B14F-4D97-AF65-F5344CB8AC3E}">
-        <p14:creationId xmlns:p14="http://schemas.microsoft.com/office/powerpoint/2010/main" val="1560945646"/>
+        <p14:creationId xmlns:p14="http://schemas.microsoft.com/office/powerpoint/2010/main" val="1138677116"/>
       </p:ext>
     </p:extLst>
   </p:cSld>
@@ -9793,27 +10025,22 @@
       </p:grpSpPr>
       <p:sp>
         <p:nvSpPr>
-          <p:cNvPr id="4" name="标题 3"/>
+          <p:cNvPr id="2" name="标题 1"/>
           <p:cNvSpPr>
             <a:spLocks noGrp="1"/>
           </p:cNvSpPr>
           <p:nvPr>
-            <p:ph type="ctrTitle"/>
+            <p:ph type="title"/>
           </p:nvPr>
         </p:nvSpPr>
-        <p:spPr>
-          <a:xfrm>
-            <a:off x="1524398" y="2678966"/>
-            <a:ext cx="9143206" cy="830997"/>
-          </a:xfrm>
-        </p:spPr>
+        <p:spPr/>
         <p:txBody>
           <a:bodyPr/>
           <a:lstStyle/>
           <a:p>
             <a:r>
               <a:rPr lang="zh-CN" altLang="en-US" dirty="0" smtClean="0"/>
-              <a:t>递归、复杂度与快速排序</a:t>
+              <a:t>作业点评</a:t>
             </a:r>
             <a:endParaRPr lang="zh-CN" altLang="en-US" dirty="0"/>
           </a:p>
@@ -9821,19 +10048,73 @@
       </p:sp>
       <p:sp>
         <p:nvSpPr>
-          <p:cNvPr id="5" name="内容占位符 4"/>
+          <p:cNvPr id="3" name="内容占位符 2"/>
           <p:cNvSpPr>
             <a:spLocks noGrp="1"/>
           </p:cNvSpPr>
           <p:nvPr>
-            <p:ph type="subTitle" idx="1"/>
+            <p:ph idx="1"/>
           </p:nvPr>
         </p:nvSpPr>
-        <p:spPr/>
+        <p:spPr>
+          <a:xfrm>
+            <a:off x="519248" y="1714500"/>
+            <a:ext cx="11151916" cy="2099036"/>
+          </a:xfrm>
+        </p:spPr>
         <p:txBody>
           <a:bodyPr/>
           <a:lstStyle/>
           <a:p>
+            <a:r>
+              <a:rPr lang="zh-CN" altLang="en-US" dirty="0" smtClean="0"/>
+              <a:t>张耀丹</a:t>
+            </a:r>
+            <a:r>
+              <a:rPr lang="en-US" altLang="zh-CN" dirty="0" smtClean="0"/>
+              <a:t>100</a:t>
+            </a:r>
+            <a:r>
+              <a:rPr lang="zh-CN" altLang="en-US" dirty="0" smtClean="0"/>
+              <a:t>分</a:t>
+            </a:r>
+            <a:endParaRPr lang="en-US" altLang="zh-CN" dirty="0" smtClean="0"/>
+          </a:p>
+          <a:p>
+            <a:r>
+              <a:rPr lang="zh-CN" altLang="en-US" dirty="0"/>
+              <a:t>李</a:t>
+            </a:r>
+            <a:r>
+              <a:rPr lang="zh-CN" altLang="en-US" dirty="0" smtClean="0"/>
+              <a:t>恩泽</a:t>
+            </a:r>
+            <a:r>
+              <a:rPr lang="en-US" altLang="zh-CN" dirty="0" smtClean="0"/>
+              <a:t>10</a:t>
+            </a:r>
+            <a:r>
+              <a:rPr lang="zh-CN" altLang="en-US" dirty="0" smtClean="0"/>
+              <a:t>分</a:t>
+            </a:r>
+            <a:r>
+              <a:rPr lang="en-US" altLang="zh-CN" dirty="0" smtClean="0"/>
+              <a:t> </a:t>
+            </a:r>
+            <a:r>
+              <a:rPr lang="zh-CN" altLang="en-US" dirty="0" smtClean="0"/>
+              <a:t>其余</a:t>
+            </a:r>
+            <a:r>
+              <a:rPr lang="en-US" altLang="zh-CN" dirty="0" smtClean="0"/>
+              <a:t>presentation error</a:t>
+            </a:r>
+          </a:p>
+          <a:p>
+            <a:r>
+              <a:rPr lang="zh-CN" altLang="en-US" dirty="0" smtClean="0"/>
+              <a:t>马皓然  输出多余信息</a:t>
+            </a:r>
             <a:endParaRPr lang="en-US" altLang="zh-CN" dirty="0" smtClean="0"/>
           </a:p>
         </p:txBody>
@@ -9841,7 +10122,7 @@
     </p:spTree>
     <p:extLst>
       <p:ext uri="{BB962C8B-B14F-4D97-AF65-F5344CB8AC3E}">
-        <p14:creationId xmlns:p14="http://schemas.microsoft.com/office/powerpoint/2010/main" val="1813396900"/>
+        <p14:creationId xmlns:p14="http://schemas.microsoft.com/office/powerpoint/2010/main" val="1163630077"/>
       </p:ext>
     </p:extLst>
   </p:cSld>
@@ -9880,7 +10161,7 @@
       </p:grpSpPr>
       <p:sp>
         <p:nvSpPr>
-          <p:cNvPr id="4" name="标题 3"/>
+          <p:cNvPr id="2" name="标题 1"/>
           <p:cNvSpPr>
             <a:spLocks noGrp="1"/>
           </p:cNvSpPr>
@@ -9893,13 +10174,17 @@
           <a:bodyPr/>
           <a:lstStyle/>
           <a:p>
-            <a:endParaRPr lang="zh-CN" altLang="en-US"/>
-          </a:p>
-        </p:txBody>
-      </p:sp>
-      <p:sp>
-        <p:nvSpPr>
-          <p:cNvPr id="5" name="内容占位符 4"/>
+            <a:r>
+              <a:rPr lang="zh-CN" altLang="en-US" dirty="0" smtClean="0"/>
+              <a:t>快速排序</a:t>
+            </a:r>
+            <a:endParaRPr lang="zh-CN" altLang="en-US" dirty="0"/>
+          </a:p>
+        </p:txBody>
+      </p:sp>
+      <p:sp>
+        <p:nvSpPr>
+          <p:cNvPr id="3" name="内容占位符 2"/>
           <p:cNvSpPr>
             <a:spLocks noGrp="1"/>
           </p:cNvSpPr>
@@ -9909,8 +10194,8 @@
         </p:nvSpPr>
         <p:spPr>
           <a:xfrm>
-            <a:off x="519248" y="1758885"/>
-            <a:ext cx="11151916" cy="4819781"/>
+            <a:off x="519248" y="1714500"/>
+            <a:ext cx="11151916" cy="4684359"/>
           </a:xfrm>
         </p:spPr>
         <p:txBody>
@@ -9918,292 +10203,105 @@
           <a:lstStyle/>
           <a:p>
             <a:r>
-              <a:rPr lang="en-US" altLang="zh-CN" sz="1800" dirty="0" smtClean="0"/>
-              <a:t>	quicksort(</a:t>
-            </a:r>
-            <a:r>
-              <a:rPr lang="en-US" altLang="zh-CN" sz="1800" dirty="0" err="1" smtClean="0"/>
-              <a:t>int</a:t>
-            </a:r>
-            <a:r>
-              <a:rPr lang="en-US" altLang="zh-CN" sz="1800" dirty="0" smtClean="0"/>
-              <a:t> l, </a:t>
-            </a:r>
-            <a:r>
-              <a:rPr lang="en-US" altLang="zh-CN" sz="1800" dirty="0" err="1" smtClean="0"/>
-              <a:t>int</a:t>
-            </a:r>
-            <a:r>
-              <a:rPr lang="en-US" altLang="zh-CN" sz="1800" dirty="0" smtClean="0"/>
-              <a:t> r){</a:t>
-            </a:r>
-          </a:p>
-          <a:p>
-            <a:r>
-              <a:rPr lang="en-US" altLang="zh-CN" sz="1800" dirty="0" smtClean="0"/>
-              <a:t>		</a:t>
-            </a:r>
-            <a:r>
-              <a:rPr lang="en-US" altLang="zh-CN" sz="1800" dirty="0" err="1" smtClean="0"/>
-              <a:t>int</a:t>
-            </a:r>
-            <a:r>
-              <a:rPr lang="en-US" altLang="zh-CN" sz="1800" dirty="0" smtClean="0"/>
-              <a:t> </a:t>
-            </a:r>
-            <a:r>
-              <a:rPr lang="en-US" altLang="zh-CN" sz="1800" dirty="0" err="1" smtClean="0"/>
-              <a:t>i</a:t>
-            </a:r>
-            <a:r>
-              <a:rPr lang="en-US" altLang="zh-CN" sz="1800" dirty="0" smtClean="0"/>
-              <a:t> = l, j = r, pivot = data[l];</a:t>
-            </a:r>
-          </a:p>
-          <a:p>
-            <a:r>
-              <a:rPr lang="en-US" altLang="zh-CN" sz="1800" dirty="0" smtClean="0"/>
-              <a:t>		while(</a:t>
-            </a:r>
-            <a:r>
-              <a:rPr lang="en-US" altLang="zh-CN" sz="1800" dirty="0" err="1" smtClean="0"/>
-              <a:t>i</a:t>
-            </a:r>
-            <a:r>
-              <a:rPr lang="en-US" altLang="zh-CN" sz="1800" dirty="0" smtClean="0"/>
-              <a:t> &lt; j){</a:t>
-            </a:r>
-          </a:p>
-          <a:p>
-            <a:r>
-              <a:rPr lang="en-US" altLang="zh-CN" sz="1800" dirty="0"/>
-              <a:t>	</a:t>
-            </a:r>
-            <a:r>
-              <a:rPr lang="en-US" altLang="zh-CN" sz="1800" dirty="0" smtClean="0"/>
-              <a:t>		while(</a:t>
-            </a:r>
-            <a:r>
-              <a:rPr lang="en-US" altLang="zh-CN" sz="1800" dirty="0" err="1" smtClean="0"/>
-              <a:t>i</a:t>
-            </a:r>
-            <a:r>
-              <a:rPr lang="en-US" altLang="zh-CN" sz="1800" dirty="0" smtClean="0"/>
-              <a:t> &lt; j &amp;&amp; data[j] &gt;= x)</a:t>
-            </a:r>
-          </a:p>
-          <a:p>
-            <a:r>
-              <a:rPr lang="en-US" altLang="zh-CN" sz="1800" dirty="0"/>
-              <a:t>	</a:t>
-            </a:r>
-            <a:r>
-              <a:rPr lang="en-US" altLang="zh-CN" sz="1800" dirty="0" smtClean="0"/>
-              <a:t>			--j;</a:t>
-            </a:r>
-          </a:p>
-          <a:p>
-            <a:r>
-              <a:rPr lang="en-US" altLang="zh-CN" sz="1800" dirty="0"/>
-              <a:t>	</a:t>
-            </a:r>
-            <a:r>
-              <a:rPr lang="en-US" altLang="zh-CN" sz="1800" dirty="0" smtClean="0"/>
-              <a:t>		if(</a:t>
-            </a:r>
-            <a:r>
-              <a:rPr lang="en-US" altLang="zh-CN" sz="1800" dirty="0" err="1" smtClean="0"/>
-              <a:t>i</a:t>
-            </a:r>
-            <a:r>
-              <a:rPr lang="en-US" altLang="zh-CN" sz="1800" dirty="0" smtClean="0"/>
-              <a:t> &lt; j)</a:t>
-            </a:r>
-          </a:p>
-          <a:p>
-            <a:r>
-              <a:rPr lang="en-US" altLang="zh-CN" sz="1800" dirty="0"/>
-              <a:t>	</a:t>
-            </a:r>
-            <a:r>
-              <a:rPr lang="en-US" altLang="zh-CN" sz="1800" dirty="0" smtClean="0"/>
-              <a:t>			data[</a:t>
-            </a:r>
-            <a:r>
-              <a:rPr lang="en-US" altLang="zh-CN" sz="1800" dirty="0" err="1" smtClean="0"/>
-              <a:t>i</a:t>
-            </a:r>
-            <a:r>
-              <a:rPr lang="en-US" altLang="zh-CN" sz="1800" dirty="0" smtClean="0"/>
-              <a:t>++] = data[j];</a:t>
-            </a:r>
-          </a:p>
-          <a:p>
-            <a:r>
-              <a:rPr lang="en-US" altLang="zh-CN" sz="1800" dirty="0"/>
-              <a:t>	</a:t>
-            </a:r>
-            <a:r>
-              <a:rPr lang="en-US" altLang="zh-CN" sz="1800" dirty="0" smtClean="0"/>
-              <a:t>		</a:t>
-            </a:r>
-            <a:r>
-              <a:rPr lang="en-US" altLang="zh-CN" sz="1800" dirty="0"/>
-              <a:t>while(</a:t>
-            </a:r>
-            <a:r>
-              <a:rPr lang="en-US" altLang="zh-CN" sz="1800" dirty="0" err="1"/>
-              <a:t>i</a:t>
-            </a:r>
-            <a:r>
-              <a:rPr lang="en-US" altLang="zh-CN" sz="1800" dirty="0"/>
-              <a:t> &lt; j &amp;&amp; data[</a:t>
-            </a:r>
-            <a:r>
-              <a:rPr lang="en-US" altLang="zh-CN" sz="1800" dirty="0" err="1"/>
-              <a:t>i</a:t>
-            </a:r>
-            <a:r>
-              <a:rPr lang="en-US" altLang="zh-CN" sz="1800" dirty="0"/>
-              <a:t>] </a:t>
-            </a:r>
-            <a:r>
-              <a:rPr lang="en-US" altLang="zh-CN" sz="1800" dirty="0" smtClean="0"/>
-              <a:t>&lt;= </a:t>
-            </a:r>
-            <a:r>
-              <a:rPr lang="en-US" altLang="zh-CN" sz="1800" dirty="0"/>
-              <a:t>x</a:t>
-            </a:r>
-            <a:r>
-              <a:rPr lang="en-US" altLang="zh-CN" sz="1800" dirty="0" smtClean="0"/>
-              <a:t>)</a:t>
-            </a:r>
-          </a:p>
-          <a:p>
-            <a:r>
-              <a:rPr lang="en-US" altLang="zh-CN" sz="1800" dirty="0"/>
-              <a:t>	</a:t>
-            </a:r>
-            <a:r>
-              <a:rPr lang="en-US" altLang="zh-CN" sz="1800" dirty="0" smtClean="0"/>
-              <a:t>			++</a:t>
-            </a:r>
-            <a:r>
-              <a:rPr lang="en-US" altLang="zh-CN" sz="1800" dirty="0" err="1" smtClean="0"/>
-              <a:t>i</a:t>
-            </a:r>
-            <a:r>
-              <a:rPr lang="en-US" altLang="zh-CN" sz="1800" dirty="0" smtClean="0"/>
-              <a:t>;</a:t>
-            </a:r>
-          </a:p>
-          <a:p>
-            <a:r>
-              <a:rPr lang="en-US" altLang="zh-CN" sz="1800" dirty="0"/>
-              <a:t>	</a:t>
-            </a:r>
-            <a:r>
-              <a:rPr lang="en-US" altLang="zh-CN" sz="1800" dirty="0" smtClean="0"/>
-              <a:t>		</a:t>
-            </a:r>
-            <a:r>
-              <a:rPr lang="en-US" altLang="zh-CN" sz="1800" dirty="0"/>
-              <a:t>if(</a:t>
-            </a:r>
-            <a:r>
-              <a:rPr lang="en-US" altLang="zh-CN" sz="1800" dirty="0" err="1"/>
-              <a:t>i</a:t>
-            </a:r>
-            <a:r>
-              <a:rPr lang="en-US" altLang="zh-CN" sz="1800" dirty="0"/>
-              <a:t> &lt; j)</a:t>
-            </a:r>
-          </a:p>
-          <a:p>
-            <a:r>
-              <a:rPr lang="en-US" altLang="zh-CN" sz="1800" dirty="0"/>
-              <a:t>				</a:t>
-            </a:r>
-            <a:r>
-              <a:rPr lang="en-US" altLang="zh-CN" sz="1800" dirty="0" smtClean="0"/>
-              <a:t>data[j--] </a:t>
-            </a:r>
-            <a:r>
-              <a:rPr lang="en-US" altLang="zh-CN" sz="1800" dirty="0"/>
-              <a:t>= </a:t>
-            </a:r>
-            <a:r>
-              <a:rPr lang="en-US" altLang="zh-CN" sz="1800" dirty="0" smtClean="0"/>
-              <a:t>data[</a:t>
-            </a:r>
-            <a:r>
-              <a:rPr lang="en-US" altLang="zh-CN" sz="1800" dirty="0" err="1" smtClean="0"/>
-              <a:t>i</a:t>
-            </a:r>
-            <a:r>
-              <a:rPr lang="en-US" altLang="zh-CN" sz="1800" dirty="0" smtClean="0"/>
-              <a:t>];</a:t>
-            </a:r>
-            <a:endParaRPr lang="en-US" altLang="zh-CN" sz="1800" dirty="0"/>
-          </a:p>
-          <a:p>
-            <a:r>
-              <a:rPr lang="en-US" altLang="zh-CN" sz="1800" dirty="0" smtClean="0"/>
-              <a:t>		}</a:t>
-            </a:r>
-          </a:p>
-          <a:p>
-            <a:r>
-              <a:rPr lang="en-US" altLang="zh-CN" sz="1800" dirty="0"/>
-              <a:t>	</a:t>
-            </a:r>
-            <a:r>
-              <a:rPr lang="en-US" altLang="zh-CN" sz="1800" dirty="0" smtClean="0"/>
-              <a:t>	s[</a:t>
-            </a:r>
-            <a:r>
-              <a:rPr lang="en-US" altLang="zh-CN" sz="1800" dirty="0" err="1" smtClean="0"/>
-              <a:t>i</a:t>
-            </a:r>
-            <a:r>
-              <a:rPr lang="en-US" altLang="zh-CN" sz="1800" dirty="0" smtClean="0"/>
-              <a:t>] = pivot;</a:t>
-            </a:r>
-          </a:p>
-          <a:p>
-            <a:r>
-              <a:rPr lang="en-US" altLang="zh-CN" sz="1800" dirty="0"/>
-              <a:t>	</a:t>
-            </a:r>
-            <a:r>
-              <a:rPr lang="en-US" altLang="zh-CN" sz="1800" dirty="0" smtClean="0"/>
-              <a:t>	quicksort(l, i-1);</a:t>
-            </a:r>
-          </a:p>
-          <a:p>
-            <a:r>
-              <a:rPr lang="en-US" altLang="zh-CN" sz="1800" dirty="0"/>
-              <a:t>	</a:t>
-            </a:r>
-            <a:r>
-              <a:rPr lang="en-US" altLang="zh-CN" sz="1800" dirty="0" smtClean="0"/>
-              <a:t>	quicksort(i+1, r);</a:t>
-            </a:r>
-          </a:p>
-          <a:p>
-            <a:r>
-              <a:rPr lang="en-US" altLang="zh-CN" sz="1800" dirty="0" smtClean="0"/>
-              <a:t>	}</a:t>
-            </a:r>
-            <a:endParaRPr lang="zh-CN" altLang="en-US" sz="1800" dirty="0"/>
+              <a:rPr lang="zh-CN" altLang="en-US" dirty="0" smtClean="0"/>
+              <a:t>基本思想：分治</a:t>
+            </a:r>
+            <a:endParaRPr lang="en-US" altLang="zh-CN" dirty="0" smtClean="0"/>
+          </a:p>
+          <a:p>
+            <a:r>
+              <a:rPr lang="zh-CN" altLang="en-US" dirty="0" smtClean="0"/>
+              <a:t>将一个大问题划分成几个小问题</a:t>
+            </a:r>
+            <a:endParaRPr lang="en-US" altLang="zh-CN" dirty="0" smtClean="0"/>
+          </a:p>
+          <a:p>
+            <a:r>
+              <a:rPr lang="zh-CN" altLang="en-US" dirty="0" smtClean="0"/>
+              <a:t>每一次挑出一个</a:t>
+            </a:r>
+            <a:r>
+              <a:rPr lang="en-US" altLang="zh-CN" dirty="0" smtClean="0"/>
+              <a:t>pivot</a:t>
+            </a:r>
+          </a:p>
+          <a:p>
+            <a:pPr lvl="1"/>
+            <a:r>
+              <a:rPr lang="zh-CN" altLang="en-US" dirty="0" smtClean="0"/>
+              <a:t>做到：小于</a:t>
+            </a:r>
+            <a:r>
+              <a:rPr lang="en-US" altLang="zh-CN" dirty="0" smtClean="0"/>
+              <a:t>pivot</a:t>
+            </a:r>
+            <a:r>
+              <a:rPr lang="zh-CN" altLang="en-US" dirty="0" smtClean="0"/>
+              <a:t>都在它左边</a:t>
+            </a:r>
+            <a:r>
+              <a:rPr lang="en-US" altLang="zh-CN" dirty="0" smtClean="0"/>
+              <a:t/>
+            </a:r>
+            <a:br>
+              <a:rPr lang="en-US" altLang="zh-CN" dirty="0" smtClean="0"/>
+            </a:br>
+            <a:r>
+              <a:rPr lang="en-US" altLang="zh-CN" dirty="0" smtClean="0"/>
+              <a:t>			</a:t>
+            </a:r>
+            <a:r>
+              <a:rPr lang="zh-CN" altLang="en-US" dirty="0" smtClean="0"/>
+              <a:t>大于</a:t>
+            </a:r>
+            <a:r>
+              <a:rPr lang="en-US" altLang="zh-CN" dirty="0" smtClean="0"/>
+              <a:t>pivot</a:t>
+            </a:r>
+            <a:r>
+              <a:rPr lang="zh-CN" altLang="en-US" dirty="0" smtClean="0"/>
+              <a:t>都在它右边 （从小到大）</a:t>
+            </a:r>
+            <a:endParaRPr lang="en-US" altLang="zh-CN" dirty="0" smtClean="0"/>
+          </a:p>
+          <a:p>
+            <a:pPr lvl="1"/>
+            <a:r>
+              <a:rPr lang="zh-CN" altLang="en-US" dirty="0" smtClean="0"/>
+              <a:t>然后？</a:t>
+            </a:r>
+            <a:endParaRPr lang="en-US" altLang="zh-CN" dirty="0" smtClean="0"/>
+          </a:p>
+          <a:p>
+            <a:pPr lvl="1"/>
+            <a:r>
+              <a:rPr lang="zh-CN" altLang="en-US" dirty="0" smtClean="0"/>
+              <a:t>快速排序：</a:t>
+            </a:r>
+            <a:r>
+              <a:rPr lang="en-US" altLang="zh-CN" dirty="0" smtClean="0"/>
+              <a:t>pivot</a:t>
+            </a:r>
+            <a:r>
+              <a:rPr lang="zh-CN" altLang="en-US" dirty="0" smtClean="0"/>
+              <a:t>左边的和</a:t>
+            </a:r>
+            <a:r>
+              <a:rPr lang="en-US" altLang="zh-CN" dirty="0" smtClean="0"/>
+              <a:t>pivot</a:t>
+            </a:r>
+            <a:r>
+              <a:rPr lang="zh-CN" altLang="en-US" dirty="0" smtClean="0"/>
+              <a:t>右边的部分</a:t>
+            </a:r>
+            <a:endParaRPr lang="en-US" altLang="zh-CN" dirty="0"/>
           </a:p>
         </p:txBody>
       </p:sp>
     </p:spTree>
     <p:extLst>
       <p:ext uri="{BB962C8B-B14F-4D97-AF65-F5344CB8AC3E}">
-        <p14:creationId xmlns:p14="http://schemas.microsoft.com/office/powerpoint/2010/main" val="3358157485"/>
+        <p14:creationId xmlns:p14="http://schemas.microsoft.com/office/powerpoint/2010/main" val="1560945646"/>
       </p:ext>
     </p:extLst>
   </p:cSld>
@@ -10235,7 +10333,7 @@
       </p:grpSpPr>
       <p:sp>
         <p:nvSpPr>
-          <p:cNvPr id="2" name="标题 1"/>
+          <p:cNvPr id="4" name="标题 3"/>
           <p:cNvSpPr>
             <a:spLocks noGrp="1"/>
           </p:cNvSpPr>
@@ -10248,21 +10346,13 @@
           <a:bodyPr/>
           <a:lstStyle/>
           <a:p>
-            <a:r>
-              <a:rPr lang="zh-CN" altLang="en-US" dirty="0" smtClean="0"/>
-              <a:t>作业</a:t>
-            </a:r>
-            <a:r>
-              <a:rPr lang="en-US" altLang="zh-CN" dirty="0" smtClean="0"/>
-              <a:t>1</a:t>
-            </a:r>
-            <a:endParaRPr lang="zh-CN" altLang="en-US" dirty="0"/>
-          </a:p>
-        </p:txBody>
-      </p:sp>
-      <p:sp>
-        <p:nvSpPr>
-          <p:cNvPr id="3" name="内容占位符 2"/>
+            <a:endParaRPr lang="zh-CN" altLang="en-US"/>
+          </a:p>
+        </p:txBody>
+      </p:sp>
+      <p:sp>
+        <p:nvSpPr>
+          <p:cNvPr id="5" name="内容占位符 4"/>
           <p:cNvSpPr>
             <a:spLocks noGrp="1"/>
           </p:cNvSpPr>
@@ -10272,8 +10362,8 @@
         </p:nvSpPr>
         <p:spPr>
           <a:xfrm>
-            <a:off x="519248" y="1714500"/>
-            <a:ext cx="11151916" cy="2099036"/>
+            <a:off x="519248" y="1758885"/>
+            <a:ext cx="11151916" cy="4819781"/>
           </a:xfrm>
         </p:spPr>
         <p:txBody>
@@ -10281,31 +10371,292 @@
           <a:lstStyle/>
           <a:p>
             <a:r>
-              <a:rPr lang="zh-CN" altLang="en-US" dirty="0" smtClean="0"/>
-              <a:t>计算本息</a:t>
-            </a:r>
-            <a:endParaRPr lang="en-US" altLang="zh-CN" dirty="0" smtClean="0"/>
-          </a:p>
-          <a:p>
-            <a:r>
-              <a:rPr lang="zh-CN" altLang="en-US" dirty="0" smtClean="0"/>
-              <a:t>输入一行，三个浮点数 本金 利率 存款年数</a:t>
-            </a:r>
-            <a:endParaRPr lang="en-US" altLang="zh-CN" dirty="0" smtClean="0"/>
-          </a:p>
-          <a:p>
-            <a:r>
-              <a:rPr lang="zh-CN" altLang="en-US" dirty="0" smtClean="0"/>
-              <a:t>输出一行，一个浮点数，本息和</a:t>
-            </a:r>
-            <a:endParaRPr lang="zh-CN" altLang="en-US" dirty="0"/>
+              <a:rPr lang="en-US" altLang="zh-CN" sz="1800" dirty="0" smtClean="0"/>
+              <a:t>	quicksort(</a:t>
+            </a:r>
+            <a:r>
+              <a:rPr lang="en-US" altLang="zh-CN" sz="1800" dirty="0" err="1" smtClean="0"/>
+              <a:t>int</a:t>
+            </a:r>
+            <a:r>
+              <a:rPr lang="en-US" altLang="zh-CN" sz="1800" dirty="0" smtClean="0"/>
+              <a:t> l, </a:t>
+            </a:r>
+            <a:r>
+              <a:rPr lang="en-US" altLang="zh-CN" sz="1800" dirty="0" err="1" smtClean="0"/>
+              <a:t>int</a:t>
+            </a:r>
+            <a:r>
+              <a:rPr lang="en-US" altLang="zh-CN" sz="1800" dirty="0" smtClean="0"/>
+              <a:t> r){</a:t>
+            </a:r>
+          </a:p>
+          <a:p>
+            <a:r>
+              <a:rPr lang="en-US" altLang="zh-CN" sz="1800" dirty="0" smtClean="0"/>
+              <a:t>		</a:t>
+            </a:r>
+            <a:r>
+              <a:rPr lang="en-US" altLang="zh-CN" sz="1800" dirty="0" err="1" smtClean="0"/>
+              <a:t>int</a:t>
+            </a:r>
+            <a:r>
+              <a:rPr lang="en-US" altLang="zh-CN" sz="1800" dirty="0" smtClean="0"/>
+              <a:t> </a:t>
+            </a:r>
+            <a:r>
+              <a:rPr lang="en-US" altLang="zh-CN" sz="1800" dirty="0" err="1" smtClean="0"/>
+              <a:t>i</a:t>
+            </a:r>
+            <a:r>
+              <a:rPr lang="en-US" altLang="zh-CN" sz="1800" dirty="0" smtClean="0"/>
+              <a:t> = l, j = r, pivot = data[l];</a:t>
+            </a:r>
+          </a:p>
+          <a:p>
+            <a:r>
+              <a:rPr lang="en-US" altLang="zh-CN" sz="1800" dirty="0" smtClean="0"/>
+              <a:t>		while(</a:t>
+            </a:r>
+            <a:r>
+              <a:rPr lang="en-US" altLang="zh-CN" sz="1800" dirty="0" err="1" smtClean="0"/>
+              <a:t>i</a:t>
+            </a:r>
+            <a:r>
+              <a:rPr lang="en-US" altLang="zh-CN" sz="1800" dirty="0" smtClean="0"/>
+              <a:t> &lt; j){</a:t>
+            </a:r>
+          </a:p>
+          <a:p>
+            <a:r>
+              <a:rPr lang="en-US" altLang="zh-CN" sz="1800" dirty="0"/>
+              <a:t>	</a:t>
+            </a:r>
+            <a:r>
+              <a:rPr lang="en-US" altLang="zh-CN" sz="1800" dirty="0" smtClean="0"/>
+              <a:t>		while(</a:t>
+            </a:r>
+            <a:r>
+              <a:rPr lang="en-US" altLang="zh-CN" sz="1800" dirty="0" err="1" smtClean="0"/>
+              <a:t>i</a:t>
+            </a:r>
+            <a:r>
+              <a:rPr lang="en-US" altLang="zh-CN" sz="1800" dirty="0" smtClean="0"/>
+              <a:t> &lt; j &amp;&amp; data[j] &gt;= x)</a:t>
+            </a:r>
+          </a:p>
+          <a:p>
+            <a:r>
+              <a:rPr lang="en-US" altLang="zh-CN" sz="1800" dirty="0"/>
+              <a:t>	</a:t>
+            </a:r>
+            <a:r>
+              <a:rPr lang="en-US" altLang="zh-CN" sz="1800" dirty="0" smtClean="0"/>
+              <a:t>			--j;</a:t>
+            </a:r>
+          </a:p>
+          <a:p>
+            <a:r>
+              <a:rPr lang="en-US" altLang="zh-CN" sz="1800" dirty="0"/>
+              <a:t>	</a:t>
+            </a:r>
+            <a:r>
+              <a:rPr lang="en-US" altLang="zh-CN" sz="1800" dirty="0" smtClean="0"/>
+              <a:t>		if(</a:t>
+            </a:r>
+            <a:r>
+              <a:rPr lang="en-US" altLang="zh-CN" sz="1800" dirty="0" err="1" smtClean="0"/>
+              <a:t>i</a:t>
+            </a:r>
+            <a:r>
+              <a:rPr lang="en-US" altLang="zh-CN" sz="1800" dirty="0" smtClean="0"/>
+              <a:t> &lt; j)</a:t>
+            </a:r>
+          </a:p>
+          <a:p>
+            <a:r>
+              <a:rPr lang="en-US" altLang="zh-CN" sz="1800" dirty="0"/>
+              <a:t>	</a:t>
+            </a:r>
+            <a:r>
+              <a:rPr lang="en-US" altLang="zh-CN" sz="1800" dirty="0" smtClean="0"/>
+              <a:t>			data[</a:t>
+            </a:r>
+            <a:r>
+              <a:rPr lang="en-US" altLang="zh-CN" sz="1800" dirty="0" err="1" smtClean="0"/>
+              <a:t>i</a:t>
+            </a:r>
+            <a:r>
+              <a:rPr lang="en-US" altLang="zh-CN" sz="1800" dirty="0" smtClean="0"/>
+              <a:t>++] = data[j];</a:t>
+            </a:r>
+          </a:p>
+          <a:p>
+            <a:r>
+              <a:rPr lang="en-US" altLang="zh-CN" sz="1800" dirty="0"/>
+              <a:t>	</a:t>
+            </a:r>
+            <a:r>
+              <a:rPr lang="en-US" altLang="zh-CN" sz="1800" dirty="0" smtClean="0"/>
+              <a:t>		</a:t>
+            </a:r>
+            <a:r>
+              <a:rPr lang="en-US" altLang="zh-CN" sz="1800" dirty="0"/>
+              <a:t>while(</a:t>
+            </a:r>
+            <a:r>
+              <a:rPr lang="en-US" altLang="zh-CN" sz="1800" dirty="0" err="1"/>
+              <a:t>i</a:t>
+            </a:r>
+            <a:r>
+              <a:rPr lang="en-US" altLang="zh-CN" sz="1800" dirty="0"/>
+              <a:t> &lt; j &amp;&amp; data[</a:t>
+            </a:r>
+            <a:r>
+              <a:rPr lang="en-US" altLang="zh-CN" sz="1800" dirty="0" err="1"/>
+              <a:t>i</a:t>
+            </a:r>
+            <a:r>
+              <a:rPr lang="en-US" altLang="zh-CN" sz="1800" dirty="0"/>
+              <a:t>] </a:t>
+            </a:r>
+            <a:r>
+              <a:rPr lang="en-US" altLang="zh-CN" sz="1800" dirty="0" smtClean="0"/>
+              <a:t>&lt;= </a:t>
+            </a:r>
+            <a:r>
+              <a:rPr lang="en-US" altLang="zh-CN" sz="1800" dirty="0"/>
+              <a:t>x</a:t>
+            </a:r>
+            <a:r>
+              <a:rPr lang="en-US" altLang="zh-CN" sz="1800" dirty="0" smtClean="0"/>
+              <a:t>)</a:t>
+            </a:r>
+          </a:p>
+          <a:p>
+            <a:r>
+              <a:rPr lang="en-US" altLang="zh-CN" sz="1800" dirty="0"/>
+              <a:t>	</a:t>
+            </a:r>
+            <a:r>
+              <a:rPr lang="en-US" altLang="zh-CN" sz="1800" dirty="0" smtClean="0"/>
+              <a:t>			++</a:t>
+            </a:r>
+            <a:r>
+              <a:rPr lang="en-US" altLang="zh-CN" sz="1800" dirty="0" err="1" smtClean="0"/>
+              <a:t>i</a:t>
+            </a:r>
+            <a:r>
+              <a:rPr lang="en-US" altLang="zh-CN" sz="1800" dirty="0" smtClean="0"/>
+              <a:t>;</a:t>
+            </a:r>
+          </a:p>
+          <a:p>
+            <a:r>
+              <a:rPr lang="en-US" altLang="zh-CN" sz="1800" dirty="0"/>
+              <a:t>	</a:t>
+            </a:r>
+            <a:r>
+              <a:rPr lang="en-US" altLang="zh-CN" sz="1800" dirty="0" smtClean="0"/>
+              <a:t>		</a:t>
+            </a:r>
+            <a:r>
+              <a:rPr lang="en-US" altLang="zh-CN" sz="1800" dirty="0"/>
+              <a:t>if(</a:t>
+            </a:r>
+            <a:r>
+              <a:rPr lang="en-US" altLang="zh-CN" sz="1800" dirty="0" err="1"/>
+              <a:t>i</a:t>
+            </a:r>
+            <a:r>
+              <a:rPr lang="en-US" altLang="zh-CN" sz="1800" dirty="0"/>
+              <a:t> &lt; j)</a:t>
+            </a:r>
+          </a:p>
+          <a:p>
+            <a:r>
+              <a:rPr lang="en-US" altLang="zh-CN" sz="1800" dirty="0"/>
+              <a:t>				</a:t>
+            </a:r>
+            <a:r>
+              <a:rPr lang="en-US" altLang="zh-CN" sz="1800" dirty="0" smtClean="0"/>
+              <a:t>data[j--] </a:t>
+            </a:r>
+            <a:r>
+              <a:rPr lang="en-US" altLang="zh-CN" sz="1800" dirty="0"/>
+              <a:t>= </a:t>
+            </a:r>
+            <a:r>
+              <a:rPr lang="en-US" altLang="zh-CN" sz="1800" dirty="0" smtClean="0"/>
+              <a:t>data[</a:t>
+            </a:r>
+            <a:r>
+              <a:rPr lang="en-US" altLang="zh-CN" sz="1800" dirty="0" err="1" smtClean="0"/>
+              <a:t>i</a:t>
+            </a:r>
+            <a:r>
+              <a:rPr lang="en-US" altLang="zh-CN" sz="1800" dirty="0" smtClean="0"/>
+              <a:t>];</a:t>
+            </a:r>
+            <a:endParaRPr lang="en-US" altLang="zh-CN" sz="1800" dirty="0"/>
+          </a:p>
+          <a:p>
+            <a:r>
+              <a:rPr lang="en-US" altLang="zh-CN" sz="1800" dirty="0" smtClean="0"/>
+              <a:t>		}</a:t>
+            </a:r>
+          </a:p>
+          <a:p>
+            <a:r>
+              <a:rPr lang="en-US" altLang="zh-CN" sz="1800" dirty="0"/>
+              <a:t>	</a:t>
+            </a:r>
+            <a:r>
+              <a:rPr lang="en-US" altLang="zh-CN" sz="1800" dirty="0" smtClean="0"/>
+              <a:t>	s[</a:t>
+            </a:r>
+            <a:r>
+              <a:rPr lang="en-US" altLang="zh-CN" sz="1800" dirty="0" err="1" smtClean="0"/>
+              <a:t>i</a:t>
+            </a:r>
+            <a:r>
+              <a:rPr lang="en-US" altLang="zh-CN" sz="1800" dirty="0" smtClean="0"/>
+              <a:t>] = pivot;</a:t>
+            </a:r>
+          </a:p>
+          <a:p>
+            <a:r>
+              <a:rPr lang="en-US" altLang="zh-CN" sz="1800" dirty="0"/>
+              <a:t>	</a:t>
+            </a:r>
+            <a:r>
+              <a:rPr lang="en-US" altLang="zh-CN" sz="1800" dirty="0" smtClean="0"/>
+              <a:t>	quicksort(l, i-1);</a:t>
+            </a:r>
+          </a:p>
+          <a:p>
+            <a:r>
+              <a:rPr lang="en-US" altLang="zh-CN" sz="1800" dirty="0"/>
+              <a:t>	</a:t>
+            </a:r>
+            <a:r>
+              <a:rPr lang="en-US" altLang="zh-CN" sz="1800" dirty="0" smtClean="0"/>
+              <a:t>	quicksort(i+1, r);</a:t>
+            </a:r>
+          </a:p>
+          <a:p>
+            <a:r>
+              <a:rPr lang="en-US" altLang="zh-CN" sz="1800" dirty="0" smtClean="0"/>
+              <a:t>	}</a:t>
+            </a:r>
+            <a:endParaRPr lang="zh-CN" altLang="en-US" sz="1800" dirty="0"/>
           </a:p>
         </p:txBody>
       </p:sp>
     </p:spTree>
     <p:extLst>
       <p:ext uri="{BB962C8B-B14F-4D97-AF65-F5344CB8AC3E}">
-        <p14:creationId xmlns:p14="http://schemas.microsoft.com/office/powerpoint/2010/main" val="1922051827"/>
+        <p14:creationId xmlns:p14="http://schemas.microsoft.com/office/powerpoint/2010/main" val="3358157485"/>
       </p:ext>
     </p:extLst>
   </p:cSld>
@@ -10356,6 +10707,108 @@
             </a:r>
             <a:r>
               <a:rPr lang="en-US" altLang="zh-CN" dirty="0" smtClean="0"/>
+              <a:t>1</a:t>
+            </a:r>
+            <a:endParaRPr lang="zh-CN" altLang="en-US" dirty="0"/>
+          </a:p>
+        </p:txBody>
+      </p:sp>
+      <p:sp>
+        <p:nvSpPr>
+          <p:cNvPr id="3" name="内容占位符 2"/>
+          <p:cNvSpPr>
+            <a:spLocks noGrp="1"/>
+          </p:cNvSpPr>
+          <p:nvPr>
+            <p:ph idx="1"/>
+          </p:nvPr>
+        </p:nvSpPr>
+        <p:spPr>
+          <a:xfrm>
+            <a:off x="519248" y="1714500"/>
+            <a:ext cx="11151916" cy="2099036"/>
+          </a:xfrm>
+        </p:spPr>
+        <p:txBody>
+          <a:bodyPr/>
+          <a:lstStyle/>
+          <a:p>
+            <a:r>
+              <a:rPr lang="zh-CN" altLang="en-US" dirty="0" smtClean="0"/>
+              <a:t>计算本息</a:t>
+            </a:r>
+            <a:endParaRPr lang="en-US" altLang="zh-CN" dirty="0" smtClean="0"/>
+          </a:p>
+          <a:p>
+            <a:r>
+              <a:rPr lang="zh-CN" altLang="en-US" dirty="0" smtClean="0"/>
+              <a:t>输入一行，三个浮点数 本金 利率 存款年数</a:t>
+            </a:r>
+            <a:endParaRPr lang="en-US" altLang="zh-CN" dirty="0" smtClean="0"/>
+          </a:p>
+          <a:p>
+            <a:r>
+              <a:rPr lang="zh-CN" altLang="en-US" dirty="0" smtClean="0"/>
+              <a:t>输出一行，一个浮点数，本息和</a:t>
+            </a:r>
+            <a:endParaRPr lang="zh-CN" altLang="en-US" dirty="0"/>
+          </a:p>
+        </p:txBody>
+      </p:sp>
+    </p:spTree>
+    <p:extLst>
+      <p:ext uri="{BB962C8B-B14F-4D97-AF65-F5344CB8AC3E}">
+        <p14:creationId xmlns:p14="http://schemas.microsoft.com/office/powerpoint/2010/main" val="1922051827"/>
+      </p:ext>
+    </p:extLst>
+  </p:cSld>
+  <p:clrMapOvr>
+    <a:masterClrMapping/>
+  </p:clrMapOvr>
+  <p:transition>
+    <p:fade/>
+  </p:transition>
+</p:sld>
+</file>
+
+<file path=ppt/slides/slide33.xml><?xml version="1.0" encoding="utf-8"?>
+<p:sld xmlns:a="http://schemas.openxmlformats.org/drawingml/2006/main" xmlns:r="http://schemas.openxmlformats.org/officeDocument/2006/relationships" xmlns:p="http://schemas.openxmlformats.org/presentationml/2006/main">
+  <p:cSld>
+    <p:spTree>
+      <p:nvGrpSpPr>
+        <p:cNvPr id="1" name=""/>
+        <p:cNvGrpSpPr/>
+        <p:nvPr/>
+      </p:nvGrpSpPr>
+      <p:grpSpPr>
+        <a:xfrm>
+          <a:off x="0" y="0"/>
+          <a:ext cx="0" cy="0"/>
+          <a:chOff x="0" y="0"/>
+          <a:chExt cx="0" cy="0"/>
+        </a:xfrm>
+      </p:grpSpPr>
+      <p:sp>
+        <p:nvSpPr>
+          <p:cNvPr id="2" name="标题 1"/>
+          <p:cNvSpPr>
+            <a:spLocks noGrp="1"/>
+          </p:cNvSpPr>
+          <p:nvPr>
+            <p:ph type="title"/>
+          </p:nvPr>
+        </p:nvSpPr>
+        <p:spPr/>
+        <p:txBody>
+          <a:bodyPr/>
+          <a:lstStyle/>
+          <a:p>
+            <a:r>
+              <a:rPr lang="zh-CN" altLang="en-US" dirty="0" smtClean="0"/>
+              <a:t>作业</a:t>
+            </a:r>
+            <a:r>
+              <a:rPr lang="en-US" altLang="zh-CN" dirty="0" smtClean="0"/>
               <a:t>2</a:t>
             </a:r>
             <a:endParaRPr lang="zh-CN" altLang="en-US" dirty="0"/>
@@ -10424,7 +10877,7 @@
 </p:sld>
 </file>
 
-<file path=ppt/slides/slide33.xml><?xml version="1.0" encoding="utf-8"?>
+<file path=ppt/slides/slide34.xml><?xml version="1.0" encoding="utf-8"?>
 <p:sld xmlns:a="http://schemas.openxmlformats.org/drawingml/2006/main" xmlns:r="http://schemas.openxmlformats.org/officeDocument/2006/relationships" xmlns:p="http://schemas.openxmlformats.org/presentationml/2006/main">
   <p:cSld>
     <p:spTree>
@@ -10599,17 +11052,22 @@
             <a:spLocks noGrp="1"/>
           </p:cNvSpPr>
           <p:nvPr>
-            <p:ph type="title"/>
+            <p:ph type="ctrTitle"/>
           </p:nvPr>
         </p:nvSpPr>
-        <p:spPr/>
+        <p:spPr>
+          <a:xfrm>
+            <a:off x="1524398" y="2678966"/>
+            <a:ext cx="9143206" cy="830997"/>
+          </a:xfrm>
+        </p:spPr>
         <p:txBody>
           <a:bodyPr/>
           <a:lstStyle/>
           <a:p>
             <a:r>
               <a:rPr lang="zh-CN" altLang="en-US" dirty="0" smtClean="0"/>
-              <a:t>递归</a:t>
+              <a:t>递归、复杂度与快速排序</a:t>
             </a:r>
             <a:endParaRPr lang="zh-CN" altLang="en-US" dirty="0"/>
           </a:p>
@@ -10617,12 +11075,12 @@
       </p:sp>
       <p:sp>
         <p:nvSpPr>
-          <p:cNvPr id="5" name="文本占位符 4"/>
+          <p:cNvPr id="5" name="内容占位符 4"/>
           <p:cNvSpPr>
             <a:spLocks noGrp="1"/>
           </p:cNvSpPr>
           <p:nvPr>
-            <p:ph type="body" idx="1"/>
+            <p:ph type="subTitle" idx="1"/>
           </p:nvPr>
         </p:nvSpPr>
         <p:spPr/>
@@ -10630,18 +11088,14 @@
           <a:bodyPr/>
           <a:lstStyle/>
           <a:p>
-            <a:r>
-              <a:rPr lang="en-US" altLang="zh-CN" dirty="0" smtClean="0"/>
-              <a:t>recursion</a:t>
-            </a:r>
-            <a:endParaRPr lang="zh-CN" altLang="en-US" dirty="0"/>
+            <a:endParaRPr lang="en-US" altLang="zh-CN" dirty="0" smtClean="0"/>
           </a:p>
         </p:txBody>
       </p:sp>
     </p:spTree>
     <p:extLst>
       <p:ext uri="{BB962C8B-B14F-4D97-AF65-F5344CB8AC3E}">
-        <p14:creationId xmlns:p14="http://schemas.microsoft.com/office/powerpoint/2010/main" val="2949732144"/>
+        <p14:creationId xmlns:p14="http://schemas.microsoft.com/office/powerpoint/2010/main" val="1813396900"/>
       </p:ext>
     </p:extLst>
   </p:cSld>
@@ -10651,6 +11105,13 @@
   <p:transition>
     <p:fade/>
   </p:transition>
+  <p:timing>
+    <p:tnLst>
+      <p:par>
+        <p:cTn id="1" dur="indefinite" restart="never" nodeType="tmRoot"/>
+      </p:par>
+    </p:tnLst>
+  </p:timing>
 </p:sld>
 </file>
 
@@ -10688,11 +11149,7 @@
           <a:p>
             <a:r>
               <a:rPr lang="zh-CN" altLang="en-US" dirty="0" smtClean="0"/>
-              <a:t>递归 </a:t>
-            </a:r>
-            <a:r>
-              <a:rPr lang="en-US" altLang="zh-CN" dirty="0" err="1"/>
-              <a:t>recrusion</a:t>
+              <a:t>递归</a:t>
             </a:r>
             <a:endParaRPr lang="zh-CN" altLang="en-US" dirty="0"/>
           </a:p>
@@ -10700,36 +11157,31 @@
       </p:sp>
       <p:sp>
         <p:nvSpPr>
-          <p:cNvPr id="5" name="内容占位符 4"/>
+          <p:cNvPr id="5" name="文本占位符 4"/>
           <p:cNvSpPr>
             <a:spLocks noGrp="1"/>
           </p:cNvSpPr>
           <p:nvPr>
-            <p:ph idx="1"/>
+            <p:ph type="body" idx="1"/>
           </p:nvPr>
         </p:nvSpPr>
-        <p:spPr>
-          <a:xfrm>
-            <a:off x="519248" y="1714500"/>
-            <a:ext cx="11151916" cy="609398"/>
-          </a:xfrm>
-        </p:spPr>
+        <p:spPr/>
         <p:txBody>
           <a:bodyPr/>
           <a:lstStyle/>
           <a:p>
             <a:r>
-              <a:rPr lang="zh-CN" altLang="en-US" dirty="0" smtClean="0"/>
-              <a:t>函数调用其自身称为递归</a:t>
-            </a:r>
-            <a:endParaRPr lang="en-US" altLang="zh-CN" dirty="0" smtClean="0"/>
+              <a:rPr lang="en-US" altLang="zh-CN" dirty="0" smtClean="0"/>
+              <a:t>recursion</a:t>
+            </a:r>
+            <a:endParaRPr lang="zh-CN" altLang="en-US" dirty="0"/>
           </a:p>
         </p:txBody>
       </p:sp>
     </p:spTree>
     <p:extLst>
       <p:ext uri="{BB962C8B-B14F-4D97-AF65-F5344CB8AC3E}">
-        <p14:creationId xmlns:p14="http://schemas.microsoft.com/office/powerpoint/2010/main" val="648038140"/>
+        <p14:creationId xmlns:p14="http://schemas.microsoft.com/office/powerpoint/2010/main" val="2949732144"/>
       </p:ext>
     </p:extLst>
   </p:cSld>
@@ -10776,6 +11228,94 @@
           <a:p>
             <a:r>
               <a:rPr lang="zh-CN" altLang="en-US" dirty="0" smtClean="0"/>
+              <a:t>递归 </a:t>
+            </a:r>
+            <a:r>
+              <a:rPr lang="en-US" altLang="zh-CN" dirty="0" err="1"/>
+              <a:t>recrusion</a:t>
+            </a:r>
+            <a:endParaRPr lang="zh-CN" altLang="en-US" dirty="0"/>
+          </a:p>
+        </p:txBody>
+      </p:sp>
+      <p:sp>
+        <p:nvSpPr>
+          <p:cNvPr id="5" name="内容占位符 4"/>
+          <p:cNvSpPr>
+            <a:spLocks noGrp="1"/>
+          </p:cNvSpPr>
+          <p:nvPr>
+            <p:ph idx="1"/>
+          </p:nvPr>
+        </p:nvSpPr>
+        <p:spPr>
+          <a:xfrm>
+            <a:off x="519248" y="1714500"/>
+            <a:ext cx="11151916" cy="609398"/>
+          </a:xfrm>
+        </p:spPr>
+        <p:txBody>
+          <a:bodyPr/>
+          <a:lstStyle/>
+          <a:p>
+            <a:r>
+              <a:rPr lang="zh-CN" altLang="en-US" dirty="0" smtClean="0"/>
+              <a:t>函数调用其自身称为递归</a:t>
+            </a:r>
+            <a:endParaRPr lang="en-US" altLang="zh-CN" dirty="0" smtClean="0"/>
+          </a:p>
+        </p:txBody>
+      </p:sp>
+    </p:spTree>
+    <p:extLst>
+      <p:ext uri="{BB962C8B-B14F-4D97-AF65-F5344CB8AC3E}">
+        <p14:creationId xmlns:p14="http://schemas.microsoft.com/office/powerpoint/2010/main" val="648038140"/>
+      </p:ext>
+    </p:extLst>
+  </p:cSld>
+  <p:clrMapOvr>
+    <a:masterClrMapping/>
+  </p:clrMapOvr>
+  <p:transition>
+    <p:fade/>
+  </p:transition>
+</p:sld>
+</file>
+
+<file path=ppt/slides/slide7.xml><?xml version="1.0" encoding="utf-8"?>
+<p:sld xmlns:a="http://schemas.openxmlformats.org/drawingml/2006/main" xmlns:r="http://schemas.openxmlformats.org/officeDocument/2006/relationships" xmlns:p="http://schemas.openxmlformats.org/presentationml/2006/main">
+  <p:cSld>
+    <p:spTree>
+      <p:nvGrpSpPr>
+        <p:cNvPr id="1" name=""/>
+        <p:cNvGrpSpPr/>
+        <p:nvPr/>
+      </p:nvGrpSpPr>
+      <p:grpSpPr>
+        <a:xfrm>
+          <a:off x="0" y="0"/>
+          <a:ext cx="0" cy="0"/>
+          <a:chOff x="0" y="0"/>
+          <a:chExt cx="0" cy="0"/>
+        </a:xfrm>
+      </p:grpSpPr>
+      <p:sp>
+        <p:nvSpPr>
+          <p:cNvPr id="4" name="标题 3"/>
+          <p:cNvSpPr>
+            <a:spLocks noGrp="1"/>
+          </p:cNvSpPr>
+          <p:nvPr>
+            <p:ph type="title"/>
+          </p:nvPr>
+        </p:nvSpPr>
+        <p:spPr/>
+        <p:txBody>
+          <a:bodyPr/>
+          <a:lstStyle/>
+          <a:p>
+            <a:r>
+              <a:rPr lang="zh-CN" altLang="en-US" dirty="0" smtClean="0"/>
               <a:t>递归 示例：计算阶乘</a:t>
             </a:r>
             <a:endParaRPr lang="zh-CN" altLang="en-US" dirty="0"/>
@@ -10924,7 +11464,7 @@
 </p:sld>
 </file>
 
-<file path=ppt/slides/slide7.xml><?xml version="1.0" encoding="utf-8"?>
+<file path=ppt/slides/slide8.xml><?xml version="1.0" encoding="utf-8"?>
 <p:sld xmlns:a="http://schemas.openxmlformats.org/drawingml/2006/main" xmlns:r="http://schemas.openxmlformats.org/officeDocument/2006/relationships" xmlns:p="http://schemas.openxmlformats.org/presentationml/2006/main">
   <p:cSld>
     <p:spTree>
@@ -11517,7 +12057,7 @@
 </p:sld>
 </file>
 
-<file path=ppt/slides/slide8.xml><?xml version="1.0" encoding="utf-8"?>
+<file path=ppt/slides/slide9.xml><?xml version="1.0" encoding="utf-8"?>
 <p:sld xmlns:a="http://schemas.openxmlformats.org/drawingml/2006/main" xmlns:r="http://schemas.openxmlformats.org/officeDocument/2006/relationships" xmlns:p="http://schemas.openxmlformats.org/presentationml/2006/main">
   <p:cSld>
     <p:spTree>
@@ -11931,449 +12471,6 @@
       </p:par>
     </p:tnLst>
   </p:timing>
-</p:sld>
-</file>
-
-<file path=ppt/slides/slide9.xml><?xml version="1.0" encoding="utf-8"?>
-<p:sld xmlns:a="http://schemas.openxmlformats.org/drawingml/2006/main" xmlns:r="http://schemas.openxmlformats.org/officeDocument/2006/relationships" xmlns:p="http://schemas.openxmlformats.org/presentationml/2006/main">
-  <p:cSld>
-    <p:spTree>
-      <p:nvGrpSpPr>
-        <p:cNvPr id="1" name=""/>
-        <p:cNvGrpSpPr/>
-        <p:nvPr/>
-      </p:nvGrpSpPr>
-      <p:grpSpPr>
-        <a:xfrm>
-          <a:off x="0" y="0"/>
-          <a:ext cx="0" cy="0"/>
-          <a:chOff x="0" y="0"/>
-          <a:chExt cx="0" cy="0"/>
-        </a:xfrm>
-      </p:grpSpPr>
-      <p:sp>
-        <p:nvSpPr>
-          <p:cNvPr id="9" name="标题 8"/>
-          <p:cNvSpPr>
-            <a:spLocks noGrp="1"/>
-          </p:cNvSpPr>
-          <p:nvPr>
-            <p:ph type="title"/>
-          </p:nvPr>
-        </p:nvSpPr>
-        <p:spPr/>
-        <p:txBody>
-          <a:bodyPr/>
-          <a:lstStyle/>
-          <a:p>
-            <a:endParaRPr lang="zh-CN" altLang="en-US" dirty="0"/>
-          </a:p>
-        </p:txBody>
-      </p:sp>
-      <p:sp>
-        <p:nvSpPr>
-          <p:cNvPr id="10" name="内容占位符 9"/>
-          <p:cNvSpPr>
-            <a:spLocks noGrp="1"/>
-          </p:cNvSpPr>
-          <p:nvPr>
-            <p:ph idx="1"/>
-          </p:nvPr>
-        </p:nvSpPr>
-        <p:spPr>
-          <a:xfrm>
-            <a:off x="519248" y="1905000"/>
-            <a:ext cx="11151916" cy="1551194"/>
-          </a:xfrm>
-        </p:spPr>
-        <p:txBody>
-          <a:bodyPr/>
-          <a:lstStyle/>
-          <a:p>
-            <a:r>
-              <a:rPr lang="en-US" altLang="zh-CN" dirty="0" smtClean="0"/>
-              <a:t>	</a:t>
-            </a:r>
-            <a:r>
-              <a:rPr lang="en-US" altLang="zh-CN" dirty="0" err="1" smtClean="0"/>
-              <a:t>int</a:t>
-            </a:r>
-            <a:r>
-              <a:rPr lang="en-US" altLang="zh-CN" dirty="0" smtClean="0"/>
-              <a:t> main(){</a:t>
-            </a:r>
-          </a:p>
-          <a:p>
-            <a:r>
-              <a:rPr lang="en-US" altLang="zh-CN" dirty="0"/>
-              <a:t>	</a:t>
-            </a:r>
-            <a:r>
-              <a:rPr lang="en-US" altLang="zh-CN" dirty="0" smtClean="0"/>
-              <a:t>	</a:t>
-            </a:r>
-            <a:r>
-              <a:rPr lang="en-US" altLang="zh-CN" dirty="0" err="1" smtClean="0"/>
-              <a:t>printf</a:t>
-            </a:r>
-            <a:r>
-              <a:rPr lang="en-US" altLang="zh-CN" dirty="0" smtClean="0"/>
-              <a:t>(“Hello, world!\n”);</a:t>
-            </a:r>
-          </a:p>
-          <a:p>
-            <a:r>
-              <a:rPr lang="en-US" altLang="zh-CN" dirty="0"/>
-              <a:t>	</a:t>
-            </a:r>
-            <a:r>
-              <a:rPr lang="en-US" altLang="zh-CN" dirty="0" smtClean="0"/>
-              <a:t>	return 0;</a:t>
-            </a:r>
-          </a:p>
-          <a:p>
-            <a:r>
-              <a:rPr lang="en-US" altLang="zh-CN" dirty="0"/>
-              <a:t>	</a:t>
-            </a:r>
-            <a:r>
-              <a:rPr lang="en-US" altLang="zh-CN" dirty="0" smtClean="0"/>
-              <a:t>}</a:t>
-            </a:r>
-          </a:p>
-        </p:txBody>
-      </p:sp>
-      <p:sp>
-        <p:nvSpPr>
-          <p:cNvPr id="4" name="矩形 3"/>
-          <p:cNvSpPr/>
-          <p:nvPr/>
-        </p:nvSpPr>
-        <p:spPr bwMode="auto">
-          <a:xfrm>
-            <a:off x="1541282" y="3784861"/>
-            <a:ext cx="1230198" cy="725865"/>
-          </a:xfrm>
-          <a:prstGeom prst="rect">
-            <a:avLst/>
-          </a:prstGeom>
-          <a:solidFill>
-            <a:srgbClr val="002060"/>
-          </a:solidFill>
-          <a:ln w="9525" cap="flat" cmpd="sng" algn="ctr">
-            <a:solidFill>
-              <a:schemeClr val="tx1"/>
-            </a:solidFill>
-            <a:prstDash val="solid"/>
-            <a:round/>
-            <a:headEnd type="none" w="med" len="med"/>
-            <a:tailEnd type="none" w="med" len="med"/>
-          </a:ln>
-          <a:effectLst/>
-          <a:extLst/>
-        </p:spPr>
-        <p:txBody>
-          <a:bodyPr vert="horz" wrap="square" lIns="91440" tIns="45720" rIns="91440" bIns="45720" numCol="1" rtlCol="0" anchor="t" anchorCtr="0" compatLnSpc="1">
-            <a:prstTxWarp prst="textNoShape">
-              <a:avLst/>
-            </a:prstTxWarp>
-          </a:bodyPr>
-          <a:lstStyle/>
-          <a:p>
-            <a:pPr marL="0" marR="0" indent="0" algn="l" defTabSz="1219200" rtl="0" eaLnBrk="1" fontAlgn="base" latinLnBrk="0" hangingPunct="1">
-              <a:lnSpc>
-                <a:spcPct val="100000"/>
-              </a:lnSpc>
-              <a:spcBef>
-                <a:spcPct val="0"/>
-              </a:spcBef>
-              <a:spcAft>
-                <a:spcPct val="0"/>
-              </a:spcAft>
-              <a:buClrTx/>
-              <a:buSzTx/>
-              <a:buFont typeface="Arial" panose="020B0604020202020204" pitchFamily="34" charset="0"/>
-              <a:buNone/>
-              <a:tabLst/>
-            </a:pPr>
-            <a:r>
-              <a:rPr lang="en-US" altLang="zh-CN" sz="3600" dirty="0" smtClean="0">
-                <a:solidFill>
-                  <a:schemeClr val="bg1"/>
-                </a:solidFill>
-                <a:latin typeface="Arial" panose="020B0604020202020204" pitchFamily="34" charset="0"/>
-                <a:ea typeface="宋体" panose="02010600030101010101" pitchFamily="2" charset="-122"/>
-              </a:rPr>
-              <a:t>main</a:t>
-            </a:r>
-            <a:endParaRPr kumimoji="0" lang="zh-CN" altLang="en-US" sz="3600" b="0" i="0" u="none" strike="noStrike" cap="none" normalizeH="0" baseline="0" dirty="0" smtClean="0">
-              <a:ln>
-                <a:noFill/>
-              </a:ln>
-              <a:solidFill>
-                <a:schemeClr val="bg1"/>
-              </a:solidFill>
-              <a:effectLst/>
-              <a:latin typeface="Arial" panose="020B0604020202020204" pitchFamily="34" charset="0"/>
-              <a:ea typeface="宋体" panose="02010600030101010101" pitchFamily="2" charset="-122"/>
-            </a:endParaRPr>
-          </a:p>
-        </p:txBody>
-      </p:sp>
-      <p:sp>
-        <p:nvSpPr>
-          <p:cNvPr id="5" name="矩形 4"/>
-          <p:cNvSpPr/>
-          <p:nvPr/>
-        </p:nvSpPr>
-        <p:spPr bwMode="auto">
-          <a:xfrm>
-            <a:off x="1541282" y="4916077"/>
-            <a:ext cx="1230198" cy="725865"/>
-          </a:xfrm>
-          <a:prstGeom prst="rect">
-            <a:avLst/>
-          </a:prstGeom>
-          <a:solidFill>
-            <a:srgbClr val="002060"/>
-          </a:solidFill>
-          <a:ln w="9525" cap="flat" cmpd="sng" algn="ctr">
-            <a:solidFill>
-              <a:schemeClr val="tx1"/>
-            </a:solidFill>
-            <a:prstDash val="solid"/>
-            <a:round/>
-            <a:headEnd type="none" w="med" len="med"/>
-            <a:tailEnd type="none" w="med" len="med"/>
-          </a:ln>
-          <a:effectLst/>
-          <a:extLst/>
-        </p:spPr>
-        <p:txBody>
-          <a:bodyPr vert="horz" wrap="square" lIns="91440" tIns="45720" rIns="91440" bIns="45720" numCol="1" rtlCol="0" anchor="t" anchorCtr="0" compatLnSpc="1">
-            <a:prstTxWarp prst="textNoShape">
-              <a:avLst/>
-            </a:prstTxWarp>
-          </a:bodyPr>
-          <a:lstStyle/>
-          <a:p>
-            <a:pPr marL="0" marR="0" indent="0" algn="l" defTabSz="1219200" rtl="0" eaLnBrk="1" fontAlgn="base" latinLnBrk="0" hangingPunct="1">
-              <a:lnSpc>
-                <a:spcPct val="100000"/>
-              </a:lnSpc>
-              <a:spcBef>
-                <a:spcPct val="0"/>
-              </a:spcBef>
-              <a:spcAft>
-                <a:spcPct val="0"/>
-              </a:spcAft>
-              <a:buClrTx/>
-              <a:buSzTx/>
-              <a:buFont typeface="Arial" panose="020B0604020202020204" pitchFamily="34" charset="0"/>
-              <a:buNone/>
-              <a:tabLst/>
-            </a:pPr>
-            <a:r>
-              <a:rPr kumimoji="0" lang="en-US" altLang="zh-CN" sz="3600" b="0" i="0" u="none" strike="noStrike" cap="none" normalizeH="0" baseline="0" dirty="0" err="1" smtClean="0">
-                <a:ln>
-                  <a:noFill/>
-                </a:ln>
-                <a:solidFill>
-                  <a:schemeClr val="bg1"/>
-                </a:solidFill>
-                <a:effectLst/>
-                <a:latin typeface="Arial" panose="020B0604020202020204" pitchFamily="34" charset="0"/>
-                <a:ea typeface="宋体" panose="02010600030101010101" pitchFamily="2" charset="-122"/>
-              </a:rPr>
-              <a:t>printf</a:t>
-            </a:r>
-            <a:endParaRPr kumimoji="0" lang="zh-CN" altLang="en-US" sz="3600" b="0" i="0" u="none" strike="noStrike" cap="none" normalizeH="0" baseline="0" dirty="0" smtClean="0">
-              <a:ln>
-                <a:noFill/>
-              </a:ln>
-              <a:solidFill>
-                <a:schemeClr val="bg1"/>
-              </a:solidFill>
-              <a:effectLst/>
-              <a:latin typeface="Arial" panose="020B0604020202020204" pitchFamily="34" charset="0"/>
-              <a:ea typeface="宋体" panose="02010600030101010101" pitchFamily="2" charset="-122"/>
-            </a:endParaRPr>
-          </a:p>
-        </p:txBody>
-      </p:sp>
-      <p:sp>
-        <p:nvSpPr>
-          <p:cNvPr id="6" name="矩形 5"/>
-          <p:cNvSpPr/>
-          <p:nvPr/>
-        </p:nvSpPr>
-        <p:spPr bwMode="auto">
-          <a:xfrm>
-            <a:off x="1541282" y="4510726"/>
-            <a:ext cx="1230198" cy="405351"/>
-          </a:xfrm>
-          <a:prstGeom prst="rect">
-            <a:avLst/>
-          </a:prstGeom>
-          <a:solidFill>
-            <a:schemeClr val="accent1"/>
-          </a:solidFill>
-          <a:ln w="9525" cap="flat" cmpd="sng" algn="ctr">
-            <a:solidFill>
-              <a:schemeClr val="tx1"/>
-            </a:solidFill>
-            <a:prstDash val="solid"/>
-            <a:round/>
-            <a:headEnd type="none" w="med" len="med"/>
-            <a:tailEnd type="none" w="med" len="med"/>
-          </a:ln>
-          <a:effectLst/>
-          <a:extLst>
-            <a:ext uri="{AF507438-7753-43E0-B8FC-AC1667EBCBE1}">
-              <a14:hiddenEffects xmlns:a14="http://schemas.microsoft.com/office/drawing/2010/main">
-                <a:effectLst>
-                  <a:outerShdw dist="35921" dir="2700000" algn="ctr" rotWithShape="0">
-                    <a:schemeClr val="bg2"/>
-                  </a:outerShdw>
-                </a:effectLst>
-              </a14:hiddenEffects>
-            </a:ext>
-          </a:extLst>
-        </p:spPr>
-        <p:txBody>
-          <a:bodyPr vert="horz" wrap="square" lIns="91440" tIns="45720" rIns="91440" bIns="45720" numCol="1" rtlCol="0" anchor="t" anchorCtr="0" compatLnSpc="1">
-            <a:prstTxWarp prst="textNoShape">
-              <a:avLst/>
-            </a:prstTxWarp>
-          </a:bodyPr>
-          <a:lstStyle/>
-          <a:p>
-            <a:pPr marL="0" marR="0" indent="0" algn="l" defTabSz="1219200" rtl="0" eaLnBrk="1" fontAlgn="base" latinLnBrk="0" hangingPunct="1">
-              <a:lnSpc>
-                <a:spcPct val="100000"/>
-              </a:lnSpc>
-              <a:spcBef>
-                <a:spcPct val="0"/>
-              </a:spcBef>
-              <a:spcAft>
-                <a:spcPct val="0"/>
-              </a:spcAft>
-              <a:buClrTx/>
-              <a:buSzTx/>
-              <a:buFont typeface="Arial" panose="020B0604020202020204" pitchFamily="34" charset="0"/>
-              <a:buNone/>
-              <a:tabLst/>
-            </a:pPr>
-            <a:endParaRPr kumimoji="0" lang="zh-CN" altLang="en-US" sz="2400" b="0" i="0" u="none" strike="noStrike" cap="none" normalizeH="0" baseline="0" smtClean="0">
-              <a:ln>
-                <a:noFill/>
-              </a:ln>
-              <a:solidFill>
-                <a:schemeClr val="tx1"/>
-              </a:solidFill>
-              <a:effectLst/>
-              <a:latin typeface="Arial" panose="020B0604020202020204" pitchFamily="34" charset="0"/>
-              <a:ea typeface="宋体" panose="02010600030101010101" pitchFamily="2" charset="-122"/>
-            </a:endParaRPr>
-          </a:p>
-        </p:txBody>
-      </p:sp>
-      <p:cxnSp>
-        <p:nvCxnSpPr>
-          <p:cNvPr id="7" name="直接箭头连接符 6"/>
-          <p:cNvCxnSpPr>
-            <a:endCxn id="6" idx="3"/>
-          </p:cNvCxnSpPr>
-          <p:nvPr/>
-        </p:nvCxnSpPr>
-        <p:spPr bwMode="auto">
-          <a:xfrm flipH="1">
-            <a:off x="2771480" y="4713401"/>
-            <a:ext cx="1168924" cy="1"/>
-          </a:xfrm>
-          <a:prstGeom prst="straightConnector1">
-            <a:avLst/>
-          </a:prstGeom>
-          <a:ln>
-            <a:headEnd type="none" w="med" len="med"/>
-            <a:tailEnd type="triangle"/>
-          </a:ln>
-          <a:extLst/>
-        </p:spPr>
-        <p:style>
-          <a:lnRef idx="3">
-            <a:schemeClr val="accent3"/>
-          </a:lnRef>
-          <a:fillRef idx="0">
-            <a:schemeClr val="accent3"/>
-          </a:fillRef>
-          <a:effectRef idx="2">
-            <a:schemeClr val="accent3"/>
-          </a:effectRef>
-          <a:fontRef idx="minor">
-            <a:schemeClr val="tx1"/>
-          </a:fontRef>
-        </p:style>
-      </p:cxnSp>
-      <p:sp>
-        <p:nvSpPr>
-          <p:cNvPr id="8" name="文本框 7"/>
-          <p:cNvSpPr txBox="1"/>
-          <p:nvPr/>
-        </p:nvSpPr>
-        <p:spPr>
-          <a:xfrm>
-            <a:off x="4147792" y="4510726"/>
-            <a:ext cx="3337089" cy="523220"/>
-          </a:xfrm>
-          <a:prstGeom prst="rect">
-            <a:avLst/>
-          </a:prstGeom>
-          <a:noFill/>
-        </p:spPr>
-        <p:txBody>
-          <a:bodyPr wrap="square" rtlCol="0">
-            <a:spAutoFit/>
-          </a:bodyPr>
-          <a:lstStyle/>
-          <a:p>
-            <a:r>
-              <a:rPr lang="en-US" altLang="zh-CN" sz="2800" dirty="0" smtClean="0">
-                <a:solidFill>
-                  <a:schemeClr val="bg1"/>
-                </a:solidFill>
-              </a:rPr>
-              <a:t>main</a:t>
-            </a:r>
-            <a:r>
-              <a:rPr lang="zh-CN" altLang="en-US" sz="2800" dirty="0" smtClean="0">
-                <a:solidFill>
-                  <a:schemeClr val="bg1"/>
-                </a:solidFill>
-              </a:rPr>
-              <a:t>中执行地址</a:t>
-            </a:r>
-            <a:endParaRPr lang="zh-CN" altLang="en-US" sz="2800" dirty="0">
-              <a:solidFill>
-                <a:schemeClr val="bg1"/>
-              </a:solidFill>
-            </a:endParaRPr>
-          </a:p>
-        </p:txBody>
-      </p:sp>
-    </p:spTree>
-    <p:extLst>
-      <p:ext uri="{BB962C8B-B14F-4D97-AF65-F5344CB8AC3E}">
-        <p14:creationId xmlns:p14="http://schemas.microsoft.com/office/powerpoint/2010/main" val="1784134951"/>
-      </p:ext>
-    </p:extLst>
-  </p:cSld>
-  <p:clrMapOvr>
-    <a:masterClrMapping/>
-  </p:clrMapOvr>
-  <p:transition>
-    <p:fade/>
-  </p:transition>
 </p:sld>
 </file>
 

--- a/slides/lec3.pptx
+++ b/slides/lec3.pptx
@@ -5947,12 +5947,20 @@
           <a:lstStyle/>
           <a:p>
             <a:r>
+              <a:rPr lang="en-US" altLang="zh-CN" sz="2800" dirty="0">
+                <a:solidFill>
+                  <a:schemeClr val="bg1"/>
+                </a:solidFill>
+              </a:rPr>
+              <a:t>m</a:t>
+            </a:r>
+            <a:r>
               <a:rPr lang="en-US" altLang="zh-CN" sz="2800" dirty="0" smtClean="0">
                 <a:solidFill>
                   <a:schemeClr val="bg1"/>
                 </a:solidFill>
               </a:rPr>
-              <a:t>main</a:t>
+              <a:t>ain</a:t>
             </a:r>
             <a:r>
               <a:rPr lang="zh-CN" altLang="en-US" sz="2800" dirty="0" smtClean="0">
@@ -5960,7 +5968,7 @@
                   <a:schemeClr val="bg1"/>
                 </a:solidFill>
               </a:rPr>
-              <a:t>中执行地址</a:t>
+              <a:t>的第一行</a:t>
             </a:r>
             <a:endParaRPr lang="zh-CN" altLang="en-US" sz="2800" dirty="0">
               <a:solidFill>
@@ -5983,6 +5991,13 @@
   <p:transition>
     <p:fade/>
   </p:transition>
+  <p:timing>
+    <p:tnLst>
+      <p:par>
+        <p:cTn id="1" dur="indefinite" restart="never" nodeType="tmRoot"/>
+      </p:par>
+    </p:tnLst>
+  </p:timing>
 </p:sld>
 </file>
 
@@ -6558,6 +6573,13 @@
   <p:transition>
     <p:fade/>
   </p:transition>
+  <p:timing>
+    <p:tnLst>
+      <p:par>
+        <p:cTn id="1" dur="indefinite" restart="never" nodeType="tmRoot"/>
+      </p:par>
+    </p:tnLst>
+  </p:timing>
 </p:sld>
 </file>
 
@@ -6657,6 +6679,13 @@
   <p:transition>
     <p:fade/>
   </p:transition>
+  <p:timing>
+    <p:tnLst>
+      <p:par>
+        <p:cTn id="1" dur="indefinite" restart="never" nodeType="tmRoot"/>
+      </p:par>
+    </p:tnLst>
+  </p:timing>
 </p:sld>
 </file>
 
@@ -6971,6 +7000,13 @@
   <p:transition>
     <p:fade/>
   </p:transition>
+  <p:timing>
+    <p:tnLst>
+      <p:par>
+        <p:cTn id="1" dur="indefinite" restart="never" nodeType="tmRoot"/>
+      </p:par>
+    </p:tnLst>
+  </p:timing>
 </p:sld>
 </file>
 
@@ -7205,6 +7241,13 @@
   <p:transition>
     <p:fade/>
   </p:transition>
+  <p:timing>
+    <p:tnLst>
+      <p:par>
+        <p:cTn id="1" dur="indefinite" restart="never" nodeType="tmRoot"/>
+      </p:par>
+    </p:tnLst>
+  </p:timing>
 </p:sld>
 </file>
 
@@ -7284,6 +7327,13 @@
   <p:transition>
     <p:fade/>
   </p:transition>
+  <p:timing>
+    <p:tnLst>
+      <p:par>
+        <p:cTn id="1" dur="indefinite" restart="never" nodeType="tmRoot"/>
+      </p:par>
+    </p:tnLst>
+  </p:timing>
 </p:sld>
 </file>
 
@@ -7383,6 +7433,13 @@
   <p:transition>
     <p:fade/>
   </p:transition>
+  <p:timing>
+    <p:tnLst>
+      <p:par>
+        <p:cTn id="1" dur="indefinite" restart="never" nodeType="tmRoot"/>
+      </p:par>
+    </p:tnLst>
+  </p:timing>
 </p:sld>
 </file>
 
@@ -7545,6 +7602,13 @@
   <p:transition>
     <p:fade/>
   </p:transition>
+  <p:timing>
+    <p:tnLst>
+      <p:par>
+        <p:cTn id="1" dur="indefinite" restart="never" nodeType="tmRoot"/>
+      </p:par>
+    </p:tnLst>
+  </p:timing>
 </p:sld>
 </file>
 
@@ -7692,6 +7756,13 @@
   <p:transition>
     <p:fade/>
   </p:transition>
+  <p:timing>
+    <p:tnLst>
+      <p:par>
+        <p:cTn id="1" dur="indefinite" restart="never" nodeType="tmRoot"/>
+      </p:par>
+    </p:tnLst>
+  </p:timing>
 </p:sld>
 </file>
 
@@ -7787,6 +7858,13 @@
   <p:transition>
     <p:fade/>
   </p:transition>
+  <p:timing>
+    <p:tnLst>
+      <p:par>
+        <p:cTn id="1" dur="indefinite" restart="never" nodeType="tmRoot"/>
+      </p:par>
+    </p:tnLst>
+  </p:timing>
 </p:sld>
 </file>
 
@@ -8345,6 +8423,13 @@
   <p:transition>
     <p:fade/>
   </p:transition>
+  <p:timing>
+    <p:tnLst>
+      <p:par>
+        <p:cTn id="1" dur="indefinite" restart="never" nodeType="tmRoot"/>
+      </p:par>
+    </p:tnLst>
+  </p:timing>
 </p:sld>
 </file>
 
@@ -8616,6 +8701,13 @@
   <p:transition>
     <p:fade/>
   </p:transition>
+  <p:timing>
+    <p:tnLst>
+      <p:par>
+        <p:cTn id="1" dur="indefinite" restart="never" nodeType="tmRoot"/>
+      </p:par>
+    </p:tnLst>
+  </p:timing>
 </p:sld>
 </file>
 
@@ -8802,6 +8894,13 @@
   <p:transition>
     <p:fade/>
   </p:transition>
+  <p:timing>
+    <p:tnLst>
+      <p:par>
+        <p:cTn id="1" dur="indefinite" restart="never" nodeType="tmRoot"/>
+      </p:par>
+    </p:tnLst>
+  </p:timing>
 </p:sld>
 </file>
 
@@ -8948,6 +9047,13 @@
   <p:transition>
     <p:fade/>
   </p:transition>
+  <p:timing>
+    <p:tnLst>
+      <p:par>
+        <p:cTn id="1" dur="indefinite" restart="never" nodeType="tmRoot"/>
+      </p:par>
+    </p:tnLst>
+  </p:timing>
 </p:sld>
 </file>
 
@@ -9115,6 +9221,13 @@
   <p:transition>
     <p:fade/>
   </p:transition>
+  <p:timing>
+    <p:tnLst>
+      <p:par>
+        <p:cTn id="1" dur="indefinite" restart="never" nodeType="tmRoot"/>
+      </p:par>
+    </p:tnLst>
+  </p:timing>
 </p:sld>
 </file>
 
@@ -9280,6 +9393,13 @@
   <p:transition>
     <p:fade/>
   </p:transition>
+  <p:timing>
+    <p:tnLst>
+      <p:par>
+        <p:cTn id="1" dur="indefinite" restart="never" nodeType="tmRoot"/>
+      </p:par>
+    </p:tnLst>
+  </p:timing>
 </p:sld>
 </file>
 
@@ -9417,6 +9537,13 @@
   <p:transition>
     <p:fade/>
   </p:transition>
+  <p:timing>
+    <p:tnLst>
+      <p:par>
+        <p:cTn id="1" dur="indefinite" restart="never" nodeType="tmRoot"/>
+      </p:par>
+    </p:tnLst>
+  </p:timing>
 </p:sld>
 </file>
 
@@ -9518,6 +9645,13 @@
   <p:transition>
     <p:fade/>
   </p:transition>
+  <p:timing>
+    <p:tnLst>
+      <p:par>
+        <p:cTn id="1" dur="indefinite" restart="never" nodeType="tmRoot"/>
+      </p:par>
+    </p:tnLst>
+  </p:timing>
 </p:sld>
 </file>
 
@@ -9880,6 +10014,13 @@
   <p:transition>
     <p:fade/>
   </p:transition>
+  <p:timing>
+    <p:tnLst>
+      <p:par>
+        <p:cTn id="1" dur="indefinite" restart="never" nodeType="tmRoot"/>
+      </p:par>
+    </p:tnLst>
+  </p:timing>
 </p:sld>
 </file>
 
@@ -10003,6 +10144,13 @@
   <p:transition>
     <p:fade/>
   </p:transition>
+  <p:timing>
+    <p:tnLst>
+      <p:par>
+        <p:cTn id="1" dur="indefinite" restart="never" nodeType="tmRoot"/>
+      </p:par>
+    </p:tnLst>
+  </p:timing>
 </p:sld>
 </file>
 
@@ -10311,6 +10459,13 @@
   <p:transition>
     <p:fade/>
   </p:transition>
+  <p:timing>
+    <p:tnLst>
+      <p:par>
+        <p:cTn id="1" dur="indefinite" restart="never" nodeType="tmRoot"/>
+      </p:par>
+    </p:tnLst>
+  </p:timing>
 </p:sld>
 </file>
 
@@ -10362,8 +10517,8 @@
         </p:nvSpPr>
         <p:spPr>
           <a:xfrm>
-            <a:off x="519248" y="1758885"/>
-            <a:ext cx="11151916" cy="4819781"/>
+            <a:off x="519248" y="1490221"/>
+            <a:ext cx="11151916" cy="5429179"/>
           </a:xfrm>
         </p:spPr>
         <p:txBody>
@@ -10372,7 +10527,11 @@
           <a:p>
             <a:r>
               <a:rPr lang="en-US" altLang="zh-CN" sz="1800" dirty="0" smtClean="0"/>
-              <a:t>	quicksort(</a:t>
+              <a:t>	</a:t>
+            </a:r>
+            <a:r>
+              <a:rPr lang="en-US" altLang="zh-CN" sz="1800" dirty="0" smtClean="0"/>
+              <a:t>void quicksort(</a:t>
             </a:r>
             <a:r>
               <a:rPr lang="en-US" altLang="zh-CN" sz="1800" dirty="0" err="1" smtClean="0"/>
@@ -10380,7 +10539,11 @@
             </a:r>
             <a:r>
               <a:rPr lang="en-US" altLang="zh-CN" sz="1800" dirty="0" smtClean="0"/>
-              <a:t> l, </a:t>
+              <a:t> </a:t>
+            </a:r>
+            <a:r>
+              <a:rPr lang="en-US" altLang="zh-CN" sz="1800" dirty="0" smtClean="0"/>
+              <a:t>l, </a:t>
             </a:r>
             <a:r>
               <a:rPr lang="en-US" altLang="zh-CN" sz="1800" dirty="0" err="1" smtClean="0"/>
@@ -10388,8 +10551,33 @@
             </a:r>
             <a:r>
               <a:rPr lang="en-US" altLang="zh-CN" sz="1800" dirty="0" smtClean="0"/>
-              <a:t> r){</a:t>
-            </a:r>
+              <a:t> r</a:t>
+            </a:r>
+            <a:r>
+              <a:rPr lang="en-US" altLang="zh-CN" sz="1800" dirty="0" smtClean="0"/>
+              <a:t>){</a:t>
+            </a:r>
+          </a:p>
+          <a:p>
+            <a:r>
+              <a:rPr lang="en-US" altLang="zh-CN" sz="1800" dirty="0"/>
+              <a:t>	</a:t>
+            </a:r>
+            <a:r>
+              <a:rPr lang="en-US" altLang="zh-CN" sz="1800" dirty="0" smtClean="0"/>
+              <a:t>	if(r &lt;= l)</a:t>
+            </a:r>
+          </a:p>
+          <a:p>
+            <a:r>
+              <a:rPr lang="en-US" altLang="zh-CN" sz="1800" dirty="0"/>
+              <a:t>	</a:t>
+            </a:r>
+            <a:r>
+              <a:rPr lang="en-US" altLang="zh-CN" sz="1800" dirty="0" smtClean="0"/>
+              <a:t>		return;</a:t>
+            </a:r>
+            <a:endParaRPr lang="en-US" altLang="zh-CN" sz="1800" dirty="0" smtClean="0"/>
           </a:p>
           <a:p>
             <a:r>
@@ -10666,6 +10854,13 @@
   <p:transition>
     <p:fade/>
   </p:transition>
+  <p:timing>
+    <p:tnLst>
+      <p:par>
+        <p:cTn id="1" dur="indefinite" restart="never" nodeType="tmRoot"/>
+      </p:par>
+    </p:tnLst>
+  </p:timing>
 </p:sld>
 </file>
 
@@ -10726,7 +10921,7 @@
         <p:spPr>
           <a:xfrm>
             <a:off x="519248" y="1714500"/>
-            <a:ext cx="11151916" cy="2099036"/>
+            <a:ext cx="11151916" cy="2843855"/>
           </a:xfrm>
         </p:spPr>
         <p:txBody>
@@ -10749,7 +10944,30 @@
           <a:p>
             <a:r>
               <a:rPr lang="zh-CN" altLang="en-US" dirty="0" smtClean="0"/>
-              <a:t>输出一行，一个浮点数，本息和</a:t>
+              <a:t>输出一行，一个浮点数，本息</a:t>
+            </a:r>
+            <a:r>
+              <a:rPr lang="zh-CN" altLang="en-US" dirty="0" smtClean="0"/>
+              <a:t>和</a:t>
+            </a:r>
+            <a:endParaRPr lang="en-US" altLang="zh-CN" dirty="0" smtClean="0"/>
+          </a:p>
+          <a:p>
+            <a:r>
+              <a:rPr lang="zh-CN" altLang="en-US" dirty="0" smtClean="0"/>
+              <a:t>注：如年利率</a:t>
+            </a:r>
+            <a:r>
+              <a:rPr lang="en-US" altLang="zh-CN" dirty="0" smtClean="0"/>
+              <a:t>2%</a:t>
+            </a:r>
+            <a:r>
+              <a:rPr lang="zh-CN" altLang="en-US" dirty="0" smtClean="0"/>
+              <a:t>，则输入为</a:t>
+            </a:r>
+            <a:r>
+              <a:rPr lang="en-US" altLang="zh-CN" dirty="0" smtClean="0"/>
+              <a:t>0.02</a:t>
             </a:r>
             <a:endParaRPr lang="zh-CN" altLang="en-US" dirty="0"/>
           </a:p>
@@ -10768,6 +10986,13 @@
   <p:transition>
     <p:fade/>
   </p:transition>
+  <p:timing>
+    <p:tnLst>
+      <p:par>
+        <p:cTn id="1" dur="indefinite" restart="never" nodeType="tmRoot"/>
+      </p:par>
+    </p:tnLst>
+  </p:timing>
 </p:sld>
 </file>
 
@@ -10874,6 +11099,13 @@
   <p:transition>
     <p:fade/>
   </p:transition>
+  <p:timing>
+    <p:tnLst>
+      <p:par>
+        <p:cTn id="1" dur="indefinite" restart="never" nodeType="tmRoot"/>
+      </p:par>
+    </p:tnLst>
+  </p:timing>
 </p:sld>
 </file>
 
@@ -10982,6 +11214,30 @@
             <a:endParaRPr lang="en-US" altLang="zh-CN" dirty="0" smtClean="0"/>
           </a:p>
           <a:p>
+            <a:r>
+              <a:rPr lang="en-US" altLang="zh-CN" dirty="0" smtClean="0"/>
+              <a:t>n</a:t>
+            </a:r>
+            <a:r>
+              <a:rPr lang="zh-CN" altLang="en-US" dirty="0" smtClean="0"/>
+              <a:t>不超过</a:t>
+            </a:r>
+            <a:r>
+              <a:rPr lang="en-US" altLang="zh-CN" dirty="0" smtClean="0"/>
+              <a:t>100</a:t>
+            </a:r>
+            <a:r>
+              <a:rPr lang="zh-CN" altLang="en-US" dirty="0" smtClean="0"/>
+              <a:t>，每个单词长度不超过</a:t>
+            </a:r>
+            <a:r>
+              <a:rPr lang="en-US" altLang="zh-CN" dirty="0" smtClean="0"/>
+              <a:t>30</a:t>
+            </a:r>
+            <a:r>
+              <a:rPr lang="zh-CN" altLang="en-US" dirty="0"/>
+              <a:t>字符</a:t>
+            </a:r>
             <a:endParaRPr lang="en-US" altLang="zh-CN" dirty="0"/>
           </a:p>
           <a:p>
@@ -11178,6 +11434,72 @@
           </a:p>
         </p:txBody>
       </p:sp>
+      <p:sp>
+        <p:nvSpPr>
+          <p:cNvPr id="2" name="文本框 1"/>
+          <p:cNvSpPr txBox="1"/>
+          <p:nvPr/>
+        </p:nvSpPr>
+        <p:spPr>
+          <a:xfrm>
+            <a:off x="4166646" y="1352746"/>
+            <a:ext cx="7480169" cy="2246769"/>
+          </a:xfrm>
+          <a:prstGeom prst="rect">
+            <a:avLst/>
+          </a:prstGeom>
+          <a:noFill/>
+        </p:spPr>
+        <p:txBody>
+          <a:bodyPr wrap="square" rtlCol="0">
+            <a:spAutoFit/>
+          </a:bodyPr>
+          <a:lstStyle/>
+          <a:p>
+            <a:r>
+              <a:rPr lang="en-US" altLang="zh-CN" sz="2800" dirty="0" smtClean="0">
+                <a:solidFill>
+                  <a:schemeClr val="bg1"/>
+                </a:solidFill>
+              </a:rPr>
+              <a:t>story(){</a:t>
+            </a:r>
+          </a:p>
+          <a:p>
+            <a:r>
+              <a:rPr lang="en-US" altLang="zh-CN" sz="2800" dirty="0">
+                <a:solidFill>
+                  <a:schemeClr val="bg1"/>
+                </a:solidFill>
+              </a:rPr>
+              <a:t>	</a:t>
+            </a:r>
+            <a:r>
+              <a:rPr lang="en-US" altLang="zh-CN" sz="2800" dirty="0" smtClean="0">
+                <a:solidFill>
+                  <a:schemeClr val="bg1"/>
+                </a:solidFill>
+              </a:rPr>
+              <a:t>There was a temple on a hill. Inside temple there were two monks. The old monk was telling a story. The story was: story()</a:t>
+            </a:r>
+          </a:p>
+          <a:p>
+            <a:r>
+              <a:rPr lang="en-US" altLang="zh-CN" sz="2800" dirty="0" smtClean="0">
+                <a:solidFill>
+                  <a:schemeClr val="bg1"/>
+                </a:solidFill>
+              </a:rPr>
+              <a:t>}</a:t>
+            </a:r>
+            <a:endParaRPr lang="zh-CN" altLang="en-US" sz="2800" dirty="0">
+              <a:solidFill>
+                <a:schemeClr val="bg1"/>
+              </a:solidFill>
+            </a:endParaRPr>
+          </a:p>
+        </p:txBody>
+      </p:sp>
     </p:spTree>
     <p:extLst>
       <p:ext uri="{BB962C8B-B14F-4D97-AF65-F5344CB8AC3E}">
@@ -11191,6 +11513,13 @@
   <p:transition>
     <p:fade/>
   </p:transition>
+  <p:timing>
+    <p:tnLst>
+      <p:par>
+        <p:cTn id="1" dur="indefinite" restart="never" nodeType="tmRoot"/>
+      </p:par>
+    </p:tnLst>
+  </p:timing>
 </p:sld>
 </file>
 
@@ -11279,6 +11608,13 @@
   <p:transition>
     <p:fade/>
   </p:transition>
+  <p:timing>
+    <p:tnLst>
+      <p:par>
+        <p:cTn id="1" dur="indefinite" restart="never" nodeType="tmRoot"/>
+      </p:par>
+    </p:tnLst>
+  </p:timing>
 </p:sld>
 </file>
 
@@ -11461,6 +11797,13 @@
   <p:transition>
     <p:fade/>
   </p:transition>
+  <p:timing>
+    <p:tnLst>
+      <p:par>
+        <p:cTn id="1" dur="indefinite" restart="never" nodeType="tmRoot"/>
+      </p:par>
+    </p:tnLst>
+  </p:timing>
 </p:sld>
 </file>
 
